--- a/phys489/poster/nuclear_power.pptx
+++ b/phys489/poster/nuclear_power.pptx
@@ -4,6 +4,9 @@
   <p:sldMasterIdLst>
     <p:sldMasterId id="2147483660" r:id="rId1"/>
   </p:sldMasterIdLst>
+  <p:notesMasterIdLst>
+    <p:notesMasterId r:id="rId3"/>
+  </p:notesMasterIdLst>
   <p:sldIdLst>
     <p:sldId id="256" r:id="rId2"/>
   </p:sldIdLst>
@@ -104,7 +107,445 @@
       </a:defRPr>
     </a:lvl9pPr>
   </p:defaultTextStyle>
+  <p:extLst>
+    <p:ext uri="{EFAFB233-063F-42B5-8137-9DF3F51BA10A}">
+      <p15:sldGuideLst xmlns:p15="http://schemas.microsoft.com/office/powerpoint/2012/main"/>
+    </p:ext>
+  </p:extLst>
 </p:presentation>
+</file>
+
+<file path=ppt/notesMasters/notesMaster1.xml><?xml version="1.0" encoding="utf-8"?>
+<p:notesMaster xmlns:a="http://schemas.openxmlformats.org/drawingml/2006/main" xmlns:r="http://schemas.openxmlformats.org/officeDocument/2006/relationships" xmlns:p="http://schemas.openxmlformats.org/presentationml/2006/main">
+  <p:cSld>
+    <p:bg>
+      <p:bgRef idx="1001">
+        <a:schemeClr val="bg1"/>
+      </p:bgRef>
+    </p:bg>
+    <p:spTree>
+      <p:nvGrpSpPr>
+        <p:cNvPr id="1" name=""/>
+        <p:cNvGrpSpPr/>
+        <p:nvPr/>
+      </p:nvGrpSpPr>
+      <p:grpSpPr>
+        <a:xfrm>
+          <a:off x="0" y="0"/>
+          <a:ext cx="0" cy="0"/>
+          <a:chOff x="0" y="0"/>
+          <a:chExt cx="0" cy="0"/>
+        </a:xfrm>
+      </p:grpSpPr>
+      <p:sp>
+        <p:nvSpPr>
+          <p:cNvPr id="2" name="Header Placeholder 1"/>
+          <p:cNvSpPr>
+            <a:spLocks noGrp="1"/>
+          </p:cNvSpPr>
+          <p:nvPr>
+            <p:ph type="hdr" sz="quarter"/>
+          </p:nvPr>
+        </p:nvSpPr>
+        <p:spPr>
+          <a:xfrm>
+            <a:off x="0" y="0"/>
+            <a:ext cx="2971800" cy="458788"/>
+          </a:xfrm>
+          <a:prstGeom prst="rect">
+            <a:avLst/>
+          </a:prstGeom>
+        </p:spPr>
+        <p:txBody>
+          <a:bodyPr vert="horz" lIns="91440" tIns="45720" rIns="91440" bIns="45720" rtlCol="0"/>
+          <a:lstStyle>
+            <a:lvl1pPr algn="l">
+              <a:defRPr sz="1200"/>
+            </a:lvl1pPr>
+          </a:lstStyle>
+          <a:p>
+            <a:endParaRPr lang="en-US"/>
+          </a:p>
+        </p:txBody>
+      </p:sp>
+      <p:sp>
+        <p:nvSpPr>
+          <p:cNvPr id="3" name="Date Placeholder 2"/>
+          <p:cNvSpPr>
+            <a:spLocks noGrp="1"/>
+          </p:cNvSpPr>
+          <p:nvPr>
+            <p:ph type="dt" idx="1"/>
+          </p:nvPr>
+        </p:nvSpPr>
+        <p:spPr>
+          <a:xfrm>
+            <a:off x="3884613" y="0"/>
+            <a:ext cx="2971800" cy="458788"/>
+          </a:xfrm>
+          <a:prstGeom prst="rect">
+            <a:avLst/>
+          </a:prstGeom>
+        </p:spPr>
+        <p:txBody>
+          <a:bodyPr vert="horz" lIns="91440" tIns="45720" rIns="91440" bIns="45720" rtlCol="0"/>
+          <a:lstStyle>
+            <a:lvl1pPr algn="r">
+              <a:defRPr sz="1200"/>
+            </a:lvl1pPr>
+          </a:lstStyle>
+          <a:p>
+            <a:fld id="{C0452666-1B16-6941-8CDA-BF9159F55F9E}" type="datetimeFigureOut">
+              <a:rPr lang="en-US" smtClean="0"/>
+              <a:t>2/20/24</a:t>
+            </a:fld>
+            <a:endParaRPr lang="en-US"/>
+          </a:p>
+        </p:txBody>
+      </p:sp>
+      <p:sp>
+        <p:nvSpPr>
+          <p:cNvPr id="4" name="Slide Image Placeholder 3"/>
+          <p:cNvSpPr>
+            <a:spLocks noGrp="1" noRot="1" noChangeAspect="1"/>
+          </p:cNvSpPr>
+          <p:nvPr>
+            <p:ph type="sldImg" idx="2"/>
+          </p:nvPr>
+        </p:nvSpPr>
+        <p:spPr>
+          <a:xfrm>
+            <a:off x="2271713" y="1143000"/>
+            <a:ext cx="2314575" cy="3086100"/>
+          </a:xfrm>
+          <a:prstGeom prst="rect">
+            <a:avLst/>
+          </a:prstGeom>
+          <a:noFill/>
+          <a:ln w="12700">
+            <a:solidFill>
+              <a:prstClr val="black"/>
+            </a:solidFill>
+          </a:ln>
+        </p:spPr>
+        <p:txBody>
+          <a:bodyPr vert="horz" lIns="91440" tIns="45720" rIns="91440" bIns="45720" rtlCol="0" anchor="ctr"/>
+          <a:lstStyle/>
+          <a:p>
+            <a:endParaRPr lang="en-US"/>
+          </a:p>
+        </p:txBody>
+      </p:sp>
+      <p:sp>
+        <p:nvSpPr>
+          <p:cNvPr id="5" name="Notes Placeholder 4"/>
+          <p:cNvSpPr>
+            <a:spLocks noGrp="1"/>
+          </p:cNvSpPr>
+          <p:nvPr>
+            <p:ph type="body" sz="quarter" idx="3"/>
+          </p:nvPr>
+        </p:nvSpPr>
+        <p:spPr>
+          <a:xfrm>
+            <a:off x="685800" y="4400550"/>
+            <a:ext cx="5486400" cy="3600450"/>
+          </a:xfrm>
+          <a:prstGeom prst="rect">
+            <a:avLst/>
+          </a:prstGeom>
+        </p:spPr>
+        <p:txBody>
+          <a:bodyPr vert="horz" lIns="91440" tIns="45720" rIns="91440" bIns="45720" rtlCol="0"/>
+          <a:lstStyle/>
+          <a:p>
+            <a:pPr lvl="0"/>
+            <a:r>
+              <a:rPr lang="en-US"/>
+              <a:t>Click to edit Master text styles</a:t>
+            </a:r>
+          </a:p>
+          <a:p>
+            <a:pPr lvl="1"/>
+            <a:r>
+              <a:rPr lang="en-US"/>
+              <a:t>Second level</a:t>
+            </a:r>
+          </a:p>
+          <a:p>
+            <a:pPr lvl="2"/>
+            <a:r>
+              <a:rPr lang="en-US"/>
+              <a:t>Third level</a:t>
+            </a:r>
+          </a:p>
+          <a:p>
+            <a:pPr lvl="3"/>
+            <a:r>
+              <a:rPr lang="en-US"/>
+              <a:t>Fourth level</a:t>
+            </a:r>
+          </a:p>
+          <a:p>
+            <a:pPr lvl="4"/>
+            <a:r>
+              <a:rPr lang="en-US"/>
+              <a:t>Fifth level</a:t>
+            </a:r>
+          </a:p>
+        </p:txBody>
+      </p:sp>
+      <p:sp>
+        <p:nvSpPr>
+          <p:cNvPr id="6" name="Footer Placeholder 5"/>
+          <p:cNvSpPr>
+            <a:spLocks noGrp="1"/>
+          </p:cNvSpPr>
+          <p:nvPr>
+            <p:ph type="ftr" sz="quarter" idx="4"/>
+          </p:nvPr>
+        </p:nvSpPr>
+        <p:spPr>
+          <a:xfrm>
+            <a:off x="0" y="8685213"/>
+            <a:ext cx="2971800" cy="458787"/>
+          </a:xfrm>
+          <a:prstGeom prst="rect">
+            <a:avLst/>
+          </a:prstGeom>
+        </p:spPr>
+        <p:txBody>
+          <a:bodyPr vert="horz" lIns="91440" tIns="45720" rIns="91440" bIns="45720" rtlCol="0" anchor="b"/>
+          <a:lstStyle>
+            <a:lvl1pPr algn="l">
+              <a:defRPr sz="1200"/>
+            </a:lvl1pPr>
+          </a:lstStyle>
+          <a:p>
+            <a:endParaRPr lang="en-US"/>
+          </a:p>
+        </p:txBody>
+      </p:sp>
+      <p:sp>
+        <p:nvSpPr>
+          <p:cNvPr id="7" name="Slide Number Placeholder 6"/>
+          <p:cNvSpPr>
+            <a:spLocks noGrp="1"/>
+          </p:cNvSpPr>
+          <p:nvPr>
+            <p:ph type="sldNum" sz="quarter" idx="5"/>
+          </p:nvPr>
+        </p:nvSpPr>
+        <p:spPr>
+          <a:xfrm>
+            <a:off x="3884613" y="8685213"/>
+            <a:ext cx="2971800" cy="458787"/>
+          </a:xfrm>
+          <a:prstGeom prst="rect">
+            <a:avLst/>
+          </a:prstGeom>
+        </p:spPr>
+        <p:txBody>
+          <a:bodyPr vert="horz" lIns="91440" tIns="45720" rIns="91440" bIns="45720" rtlCol="0" anchor="b"/>
+          <a:lstStyle>
+            <a:lvl1pPr algn="r">
+              <a:defRPr sz="1200"/>
+            </a:lvl1pPr>
+          </a:lstStyle>
+          <a:p>
+            <a:fld id="{B993FDE5-4C25-FA42-ADB4-831C138B0AFB}" type="slidenum">
+              <a:rPr lang="en-US" smtClean="0"/>
+              <a:t>‹#›</a:t>
+            </a:fld>
+            <a:endParaRPr lang="en-US"/>
+          </a:p>
+        </p:txBody>
+      </p:sp>
+    </p:spTree>
+    <p:extLst>
+      <p:ext uri="{BB962C8B-B14F-4D97-AF65-F5344CB8AC3E}">
+        <p14:creationId xmlns:p14="http://schemas.microsoft.com/office/powerpoint/2010/main" val="111942162"/>
+      </p:ext>
+    </p:extLst>
+  </p:cSld>
+  <p:clrMap bg1="lt1" tx1="dk1" bg2="lt2" tx2="dk2" accent1="accent1" accent2="accent2" accent3="accent3" accent4="accent4" accent5="accent5" accent6="accent6" hlink="hlink" folHlink="folHlink"/>
+  <p:notesStyle>
+    <a:lvl1pPr marL="0" algn="l" defTabSz="914400" rtl="0" eaLnBrk="1" latinLnBrk="0" hangingPunct="1">
+      <a:defRPr sz="1200" kern="1200">
+        <a:solidFill>
+          <a:schemeClr val="tx1"/>
+        </a:solidFill>
+        <a:latin typeface="+mn-lt"/>
+        <a:ea typeface="+mn-ea"/>
+        <a:cs typeface="+mn-cs"/>
+      </a:defRPr>
+    </a:lvl1pPr>
+    <a:lvl2pPr marL="457200" algn="l" defTabSz="914400" rtl="0" eaLnBrk="1" latinLnBrk="0" hangingPunct="1">
+      <a:defRPr sz="1200" kern="1200">
+        <a:solidFill>
+          <a:schemeClr val="tx1"/>
+        </a:solidFill>
+        <a:latin typeface="+mn-lt"/>
+        <a:ea typeface="+mn-ea"/>
+        <a:cs typeface="+mn-cs"/>
+      </a:defRPr>
+    </a:lvl2pPr>
+    <a:lvl3pPr marL="914400" algn="l" defTabSz="914400" rtl="0" eaLnBrk="1" latinLnBrk="0" hangingPunct="1">
+      <a:defRPr sz="1200" kern="1200">
+        <a:solidFill>
+          <a:schemeClr val="tx1"/>
+        </a:solidFill>
+        <a:latin typeface="+mn-lt"/>
+        <a:ea typeface="+mn-ea"/>
+        <a:cs typeface="+mn-cs"/>
+      </a:defRPr>
+    </a:lvl3pPr>
+    <a:lvl4pPr marL="1371600" algn="l" defTabSz="914400" rtl="0" eaLnBrk="1" latinLnBrk="0" hangingPunct="1">
+      <a:defRPr sz="1200" kern="1200">
+        <a:solidFill>
+          <a:schemeClr val="tx1"/>
+        </a:solidFill>
+        <a:latin typeface="+mn-lt"/>
+        <a:ea typeface="+mn-ea"/>
+        <a:cs typeface="+mn-cs"/>
+      </a:defRPr>
+    </a:lvl4pPr>
+    <a:lvl5pPr marL="1828800" algn="l" defTabSz="914400" rtl="0" eaLnBrk="1" latinLnBrk="0" hangingPunct="1">
+      <a:defRPr sz="1200" kern="1200">
+        <a:solidFill>
+          <a:schemeClr val="tx1"/>
+        </a:solidFill>
+        <a:latin typeface="+mn-lt"/>
+        <a:ea typeface="+mn-ea"/>
+        <a:cs typeface="+mn-cs"/>
+      </a:defRPr>
+    </a:lvl5pPr>
+    <a:lvl6pPr marL="2286000" algn="l" defTabSz="914400" rtl="0" eaLnBrk="1" latinLnBrk="0" hangingPunct="1">
+      <a:defRPr sz="1200" kern="1200">
+        <a:solidFill>
+          <a:schemeClr val="tx1"/>
+        </a:solidFill>
+        <a:latin typeface="+mn-lt"/>
+        <a:ea typeface="+mn-ea"/>
+        <a:cs typeface="+mn-cs"/>
+      </a:defRPr>
+    </a:lvl6pPr>
+    <a:lvl7pPr marL="2743200" algn="l" defTabSz="914400" rtl="0" eaLnBrk="1" latinLnBrk="0" hangingPunct="1">
+      <a:defRPr sz="1200" kern="1200">
+        <a:solidFill>
+          <a:schemeClr val="tx1"/>
+        </a:solidFill>
+        <a:latin typeface="+mn-lt"/>
+        <a:ea typeface="+mn-ea"/>
+        <a:cs typeface="+mn-cs"/>
+      </a:defRPr>
+    </a:lvl7pPr>
+    <a:lvl8pPr marL="3200400" algn="l" defTabSz="914400" rtl="0" eaLnBrk="1" latinLnBrk="0" hangingPunct="1">
+      <a:defRPr sz="1200" kern="1200">
+        <a:solidFill>
+          <a:schemeClr val="tx1"/>
+        </a:solidFill>
+        <a:latin typeface="+mn-lt"/>
+        <a:ea typeface="+mn-ea"/>
+        <a:cs typeface="+mn-cs"/>
+      </a:defRPr>
+    </a:lvl8pPr>
+    <a:lvl9pPr marL="3657600" algn="l" defTabSz="914400" rtl="0" eaLnBrk="1" latinLnBrk="0" hangingPunct="1">
+      <a:defRPr sz="1200" kern="1200">
+        <a:solidFill>
+          <a:schemeClr val="tx1"/>
+        </a:solidFill>
+        <a:latin typeface="+mn-lt"/>
+        <a:ea typeface="+mn-ea"/>
+        <a:cs typeface="+mn-cs"/>
+      </a:defRPr>
+    </a:lvl9pPr>
+  </p:notesStyle>
+</p:notesMaster>
+</file>
+
+<file path=ppt/notesSlides/notesSlide1.xml><?xml version="1.0" encoding="utf-8"?>
+<p:notes xmlns:a="http://schemas.openxmlformats.org/drawingml/2006/main" xmlns:r="http://schemas.openxmlformats.org/officeDocument/2006/relationships" xmlns:p="http://schemas.openxmlformats.org/presentationml/2006/main">
+  <p:cSld>
+    <p:spTree>
+      <p:nvGrpSpPr>
+        <p:cNvPr id="1" name=""/>
+        <p:cNvGrpSpPr/>
+        <p:nvPr/>
+      </p:nvGrpSpPr>
+      <p:grpSpPr>
+        <a:xfrm>
+          <a:off x="0" y="0"/>
+          <a:ext cx="0" cy="0"/>
+          <a:chOff x="0" y="0"/>
+          <a:chExt cx="0" cy="0"/>
+        </a:xfrm>
+      </p:grpSpPr>
+      <p:sp>
+        <p:nvSpPr>
+          <p:cNvPr id="2" name="Slide Image Placeholder 1"/>
+          <p:cNvSpPr>
+            <a:spLocks noGrp="1" noRot="1" noChangeAspect="1"/>
+          </p:cNvSpPr>
+          <p:nvPr>
+            <p:ph type="sldImg"/>
+          </p:nvPr>
+        </p:nvSpPr>
+        <p:spPr/>
+      </p:sp>
+      <p:sp>
+        <p:nvSpPr>
+          <p:cNvPr id="3" name="Notes Placeholder 2"/>
+          <p:cNvSpPr>
+            <a:spLocks noGrp="1"/>
+          </p:cNvSpPr>
+          <p:nvPr>
+            <p:ph type="body" idx="1"/>
+          </p:nvPr>
+        </p:nvSpPr>
+        <p:spPr/>
+        <p:txBody>
+          <a:bodyPr/>
+          <a:lstStyle/>
+          <a:p>
+            <a:endParaRPr lang="en-US"/>
+          </a:p>
+        </p:txBody>
+      </p:sp>
+      <p:sp>
+        <p:nvSpPr>
+          <p:cNvPr id="4" name="Slide Number Placeholder 3"/>
+          <p:cNvSpPr>
+            <a:spLocks noGrp="1"/>
+          </p:cNvSpPr>
+          <p:nvPr>
+            <p:ph type="sldNum" sz="quarter" idx="5"/>
+          </p:nvPr>
+        </p:nvSpPr>
+        <p:spPr/>
+        <p:txBody>
+          <a:bodyPr/>
+          <a:lstStyle/>
+          <a:p>
+            <a:fld id="{B993FDE5-4C25-FA42-ADB4-831C138B0AFB}" type="slidenum">
+              <a:rPr lang="en-US" smtClean="0"/>
+              <a:t>1</a:t>
+            </a:fld>
+            <a:endParaRPr lang="en-US"/>
+          </a:p>
+        </p:txBody>
+      </p:sp>
+    </p:spTree>
+    <p:extLst>
+      <p:ext uri="{BB962C8B-B14F-4D97-AF65-F5344CB8AC3E}">
+        <p14:creationId xmlns:p14="http://schemas.microsoft.com/office/powerpoint/2010/main" val="2491424101"/>
+      </p:ext>
+    </p:extLst>
+  </p:cSld>
+  <p:clrMapOvr>
+    <a:masterClrMapping/>
+  </p:clrMapOvr>
+</p:notes>
 </file>
 
 <file path=ppt/slideLayouts/slideLayout1.xml><?xml version="1.0" encoding="utf-8"?>
@@ -238,7 +679,7 @@
           <a:p>
             <a:fld id="{56868BF5-B9D4-AA41-BC3C-2408A665BEE8}" type="datetimeFigureOut">
               <a:rPr lang="en-US" smtClean="0"/>
-              <a:t>2/6/24</a:t>
+              <a:t>2/20/24</a:t>
             </a:fld>
             <a:endParaRPr lang="en-US"/>
           </a:p>
@@ -408,7 +849,7 @@
           <a:p>
             <a:fld id="{56868BF5-B9D4-AA41-BC3C-2408A665BEE8}" type="datetimeFigureOut">
               <a:rPr lang="en-US" smtClean="0"/>
-              <a:t>2/6/24</a:t>
+              <a:t>2/20/24</a:t>
             </a:fld>
             <a:endParaRPr lang="en-US"/>
           </a:p>
@@ -588,7 +1029,7 @@
           <a:p>
             <a:fld id="{56868BF5-B9D4-AA41-BC3C-2408A665BEE8}" type="datetimeFigureOut">
               <a:rPr lang="en-US" smtClean="0"/>
-              <a:t>2/6/24</a:t>
+              <a:t>2/20/24</a:t>
             </a:fld>
             <a:endParaRPr lang="en-US"/>
           </a:p>
@@ -758,7 +1199,7 @@
           <a:p>
             <a:fld id="{56868BF5-B9D4-AA41-BC3C-2408A665BEE8}" type="datetimeFigureOut">
               <a:rPr lang="en-US" smtClean="0"/>
-              <a:t>2/6/24</a:t>
+              <a:t>2/20/24</a:t>
             </a:fld>
             <a:endParaRPr lang="en-US"/>
           </a:p>
@@ -1002,7 +1443,7 @@
           <a:p>
             <a:fld id="{56868BF5-B9D4-AA41-BC3C-2408A665BEE8}" type="datetimeFigureOut">
               <a:rPr lang="en-US" smtClean="0"/>
-              <a:t>2/6/24</a:t>
+              <a:t>2/20/24</a:t>
             </a:fld>
             <a:endParaRPr lang="en-US"/>
           </a:p>
@@ -1234,7 +1675,7 @@
           <a:p>
             <a:fld id="{56868BF5-B9D4-AA41-BC3C-2408A665BEE8}" type="datetimeFigureOut">
               <a:rPr lang="en-US" smtClean="0"/>
-              <a:t>2/6/24</a:t>
+              <a:t>2/20/24</a:t>
             </a:fld>
             <a:endParaRPr lang="en-US"/>
           </a:p>
@@ -1601,7 +2042,7 @@
           <a:p>
             <a:fld id="{56868BF5-B9D4-AA41-BC3C-2408A665BEE8}" type="datetimeFigureOut">
               <a:rPr lang="en-US" smtClean="0"/>
-              <a:t>2/6/24</a:t>
+              <a:t>2/20/24</a:t>
             </a:fld>
             <a:endParaRPr lang="en-US"/>
           </a:p>
@@ -1719,7 +2160,7 @@
           <a:p>
             <a:fld id="{56868BF5-B9D4-AA41-BC3C-2408A665BEE8}" type="datetimeFigureOut">
               <a:rPr lang="en-US" smtClean="0"/>
-              <a:t>2/6/24</a:t>
+              <a:t>2/20/24</a:t>
             </a:fld>
             <a:endParaRPr lang="en-US"/>
           </a:p>
@@ -1814,7 +2255,7 @@
           <a:p>
             <a:fld id="{56868BF5-B9D4-AA41-BC3C-2408A665BEE8}" type="datetimeFigureOut">
               <a:rPr lang="en-US" smtClean="0"/>
-              <a:t>2/6/24</a:t>
+              <a:t>2/20/24</a:t>
             </a:fld>
             <a:endParaRPr lang="en-US"/>
           </a:p>
@@ -2091,7 +2532,7 @@
           <a:p>
             <a:fld id="{56868BF5-B9D4-AA41-BC3C-2408A665BEE8}" type="datetimeFigureOut">
               <a:rPr lang="en-US" smtClean="0"/>
-              <a:t>2/6/24</a:t>
+              <a:t>2/20/24</a:t>
             </a:fld>
             <a:endParaRPr lang="en-US"/>
           </a:p>
@@ -2348,7 +2789,7 @@
           <a:p>
             <a:fld id="{56868BF5-B9D4-AA41-BC3C-2408A665BEE8}" type="datetimeFigureOut">
               <a:rPr lang="en-US" smtClean="0"/>
-              <a:t>2/6/24</a:t>
+              <a:t>2/20/24</a:t>
             </a:fld>
             <a:endParaRPr lang="en-US"/>
           </a:p>
@@ -2561,7 +3002,7 @@
           <a:p>
             <a:fld id="{56868BF5-B9D4-AA41-BC3C-2408A665BEE8}" type="datetimeFigureOut">
               <a:rPr lang="en-US" smtClean="0"/>
-              <a:t>2/6/24</a:t>
+              <a:t>2/20/24</a:t>
             </a:fld>
             <a:endParaRPr lang="en-US"/>
           </a:p>
@@ -3548,4 +3989,299 @@
     </a:ext>
   </a:extLst>
 </a:theme>
+</file>
+
+<file path=ppt/theme/theme2.xml><?xml version="1.0" encoding="utf-8"?>
+<a:theme xmlns:a="http://schemas.openxmlformats.org/drawingml/2006/main" name="Office Theme">
+  <a:themeElements>
+    <a:clrScheme name="Office">
+      <a:dk1>
+        <a:sysClr val="windowText" lastClr="000000"/>
+      </a:dk1>
+      <a:lt1>
+        <a:sysClr val="window" lastClr="FFFFFF"/>
+      </a:lt1>
+      <a:dk2>
+        <a:srgbClr val="44546A"/>
+      </a:dk2>
+      <a:lt2>
+        <a:srgbClr val="E7E6E6"/>
+      </a:lt2>
+      <a:accent1>
+        <a:srgbClr val="4472C4"/>
+      </a:accent1>
+      <a:accent2>
+        <a:srgbClr val="ED7D31"/>
+      </a:accent2>
+      <a:accent3>
+        <a:srgbClr val="A5A5A5"/>
+      </a:accent3>
+      <a:accent4>
+        <a:srgbClr val="FFC000"/>
+      </a:accent4>
+      <a:accent5>
+        <a:srgbClr val="5B9BD5"/>
+      </a:accent5>
+      <a:accent6>
+        <a:srgbClr val="70AD47"/>
+      </a:accent6>
+      <a:hlink>
+        <a:srgbClr val="0563C1"/>
+      </a:hlink>
+      <a:folHlink>
+        <a:srgbClr val="954F72"/>
+      </a:folHlink>
+    </a:clrScheme>
+    <a:fontScheme name="Office">
+      <a:majorFont>
+        <a:latin typeface="Calibri Light" panose="020F0302020204030204"/>
+        <a:ea typeface=""/>
+        <a:cs typeface=""/>
+        <a:font script="Jpan" typeface="游ゴシック Light"/>
+        <a:font script="Hang" typeface="맑은 고딕"/>
+        <a:font script="Hans" typeface="等线 Light"/>
+        <a:font script="Hant" typeface="新細明體"/>
+        <a:font script="Arab" typeface="Times New Roman"/>
+        <a:font script="Hebr" typeface="Times New Roman"/>
+        <a:font script="Thai" typeface="Angsana New"/>
+        <a:font script="Ethi" typeface="Nyala"/>
+        <a:font script="Beng" typeface="Vrinda"/>
+        <a:font script="Gujr" typeface="Shruti"/>
+        <a:font script="Khmr" typeface="MoolBoran"/>
+        <a:font script="Knda" typeface="Tunga"/>
+        <a:font script="Guru" typeface="Raavi"/>
+        <a:font script="Cans" typeface="Euphemia"/>
+        <a:font script="Cher" typeface="Plantagenet Cherokee"/>
+        <a:font script="Yiii" typeface="Microsoft Yi Baiti"/>
+        <a:font script="Tibt" typeface="Microsoft Himalaya"/>
+        <a:font script="Thaa" typeface="MV Boli"/>
+        <a:font script="Deva" typeface="Mangal"/>
+        <a:font script="Telu" typeface="Gautami"/>
+        <a:font script="Taml" typeface="Latha"/>
+        <a:font script="Syrc" typeface="Estrangelo Edessa"/>
+        <a:font script="Orya" typeface="Kalinga"/>
+        <a:font script="Mlym" typeface="Kartika"/>
+        <a:font script="Laoo" typeface="DokChampa"/>
+        <a:font script="Sinh" typeface="Iskoola Pota"/>
+        <a:font script="Mong" typeface="Mongolian Baiti"/>
+        <a:font script="Viet" typeface="Times New Roman"/>
+        <a:font script="Uigh" typeface="Microsoft Uighur"/>
+        <a:font script="Geor" typeface="Sylfaen"/>
+        <a:font script="Armn" typeface="Arial"/>
+        <a:font script="Bugi" typeface="Leelawadee UI"/>
+        <a:font script="Bopo" typeface="Microsoft JhengHei"/>
+        <a:font script="Java" typeface="Javanese Text"/>
+        <a:font script="Lisu" typeface="Segoe UI"/>
+        <a:font script="Mymr" typeface="Myanmar Text"/>
+        <a:font script="Nkoo" typeface="Ebrima"/>
+        <a:font script="Olck" typeface="Nirmala UI"/>
+        <a:font script="Osma" typeface="Ebrima"/>
+        <a:font script="Phag" typeface="Phagspa"/>
+        <a:font script="Syrn" typeface="Estrangelo Edessa"/>
+        <a:font script="Syrj" typeface="Estrangelo Edessa"/>
+        <a:font script="Syre" typeface="Estrangelo Edessa"/>
+        <a:font script="Sora" typeface="Nirmala UI"/>
+        <a:font script="Tale" typeface="Microsoft Tai Le"/>
+        <a:font script="Talu" typeface="Microsoft New Tai Lue"/>
+        <a:font script="Tfng" typeface="Ebrima"/>
+      </a:majorFont>
+      <a:minorFont>
+        <a:latin typeface="Calibri" panose="020F0502020204030204"/>
+        <a:ea typeface=""/>
+        <a:cs typeface=""/>
+        <a:font script="Jpan" typeface="游ゴシック"/>
+        <a:font script="Hang" typeface="맑은 고딕"/>
+        <a:font script="Hans" typeface="等线"/>
+        <a:font script="Hant" typeface="新細明體"/>
+        <a:font script="Arab" typeface="Arial"/>
+        <a:font script="Hebr" typeface="Arial"/>
+        <a:font script="Thai" typeface="Cordia New"/>
+        <a:font script="Ethi" typeface="Nyala"/>
+        <a:font script="Beng" typeface="Vrinda"/>
+        <a:font script="Gujr" typeface="Shruti"/>
+        <a:font script="Khmr" typeface="DaunPenh"/>
+        <a:font script="Knda" typeface="Tunga"/>
+        <a:font script="Guru" typeface="Raavi"/>
+        <a:font script="Cans" typeface="Euphemia"/>
+        <a:font script="Cher" typeface="Plantagenet Cherokee"/>
+        <a:font script="Yiii" typeface="Microsoft Yi Baiti"/>
+        <a:font script="Tibt" typeface="Microsoft Himalaya"/>
+        <a:font script="Thaa" typeface="MV Boli"/>
+        <a:font script="Deva" typeface="Mangal"/>
+        <a:font script="Telu" typeface="Gautami"/>
+        <a:font script="Taml" typeface="Latha"/>
+        <a:font script="Syrc" typeface="Estrangelo Edessa"/>
+        <a:font script="Orya" typeface="Kalinga"/>
+        <a:font script="Mlym" typeface="Kartika"/>
+        <a:font script="Laoo" typeface="DokChampa"/>
+        <a:font script="Sinh" typeface="Iskoola Pota"/>
+        <a:font script="Mong" typeface="Mongolian Baiti"/>
+        <a:font script="Viet" typeface="Arial"/>
+        <a:font script="Uigh" typeface="Microsoft Uighur"/>
+        <a:font script="Geor" typeface="Sylfaen"/>
+        <a:font script="Armn" typeface="Arial"/>
+        <a:font script="Bugi" typeface="Leelawadee UI"/>
+        <a:font script="Bopo" typeface="Microsoft JhengHei"/>
+        <a:font script="Java" typeface="Javanese Text"/>
+        <a:font script="Lisu" typeface="Segoe UI"/>
+        <a:font script="Mymr" typeface="Myanmar Text"/>
+        <a:font script="Nkoo" typeface="Ebrima"/>
+        <a:font script="Olck" typeface="Nirmala UI"/>
+        <a:font script="Osma" typeface="Ebrima"/>
+        <a:font script="Phag" typeface="Phagspa"/>
+        <a:font script="Syrn" typeface="Estrangelo Edessa"/>
+        <a:font script="Syrj" typeface="Estrangelo Edessa"/>
+        <a:font script="Syre" typeface="Estrangelo Edessa"/>
+        <a:font script="Sora" typeface="Nirmala UI"/>
+        <a:font script="Tale" typeface="Microsoft Tai Le"/>
+        <a:font script="Talu" typeface="Microsoft New Tai Lue"/>
+        <a:font script="Tfng" typeface="Ebrima"/>
+      </a:minorFont>
+    </a:fontScheme>
+    <a:fmtScheme name="Office">
+      <a:fillStyleLst>
+        <a:solidFill>
+          <a:schemeClr val="phClr"/>
+        </a:solidFill>
+        <a:gradFill rotWithShape="1">
+          <a:gsLst>
+            <a:gs pos="0">
+              <a:schemeClr val="phClr">
+                <a:lumMod val="110000"/>
+                <a:satMod val="105000"/>
+                <a:tint val="67000"/>
+              </a:schemeClr>
+            </a:gs>
+            <a:gs pos="50000">
+              <a:schemeClr val="phClr">
+                <a:lumMod val="105000"/>
+                <a:satMod val="103000"/>
+                <a:tint val="73000"/>
+              </a:schemeClr>
+            </a:gs>
+            <a:gs pos="100000">
+              <a:schemeClr val="phClr">
+                <a:lumMod val="105000"/>
+                <a:satMod val="109000"/>
+                <a:tint val="81000"/>
+              </a:schemeClr>
+            </a:gs>
+          </a:gsLst>
+          <a:lin ang="5400000" scaled="0"/>
+        </a:gradFill>
+        <a:gradFill rotWithShape="1">
+          <a:gsLst>
+            <a:gs pos="0">
+              <a:schemeClr val="phClr">
+                <a:satMod val="103000"/>
+                <a:lumMod val="102000"/>
+                <a:tint val="94000"/>
+              </a:schemeClr>
+            </a:gs>
+            <a:gs pos="50000">
+              <a:schemeClr val="phClr">
+                <a:satMod val="110000"/>
+                <a:lumMod val="100000"/>
+                <a:shade val="100000"/>
+              </a:schemeClr>
+            </a:gs>
+            <a:gs pos="100000">
+              <a:schemeClr val="phClr">
+                <a:lumMod val="99000"/>
+                <a:satMod val="120000"/>
+                <a:shade val="78000"/>
+              </a:schemeClr>
+            </a:gs>
+          </a:gsLst>
+          <a:lin ang="5400000" scaled="0"/>
+        </a:gradFill>
+      </a:fillStyleLst>
+      <a:lnStyleLst>
+        <a:ln w="6350" cap="flat" cmpd="sng" algn="ctr">
+          <a:solidFill>
+            <a:schemeClr val="phClr"/>
+          </a:solidFill>
+          <a:prstDash val="solid"/>
+          <a:miter lim="800000"/>
+        </a:ln>
+        <a:ln w="12700" cap="flat" cmpd="sng" algn="ctr">
+          <a:solidFill>
+            <a:schemeClr val="phClr"/>
+          </a:solidFill>
+          <a:prstDash val="solid"/>
+          <a:miter lim="800000"/>
+        </a:ln>
+        <a:ln w="19050" cap="flat" cmpd="sng" algn="ctr">
+          <a:solidFill>
+            <a:schemeClr val="phClr"/>
+          </a:solidFill>
+          <a:prstDash val="solid"/>
+          <a:miter lim="800000"/>
+        </a:ln>
+      </a:lnStyleLst>
+      <a:effectStyleLst>
+        <a:effectStyle>
+          <a:effectLst/>
+        </a:effectStyle>
+        <a:effectStyle>
+          <a:effectLst/>
+        </a:effectStyle>
+        <a:effectStyle>
+          <a:effectLst>
+            <a:outerShdw blurRad="57150" dist="19050" dir="5400000" algn="ctr" rotWithShape="0">
+              <a:srgbClr val="000000">
+                <a:alpha val="63000"/>
+              </a:srgbClr>
+            </a:outerShdw>
+          </a:effectLst>
+        </a:effectStyle>
+      </a:effectStyleLst>
+      <a:bgFillStyleLst>
+        <a:solidFill>
+          <a:schemeClr val="phClr"/>
+        </a:solidFill>
+        <a:solidFill>
+          <a:schemeClr val="phClr">
+            <a:tint val="95000"/>
+            <a:satMod val="170000"/>
+          </a:schemeClr>
+        </a:solidFill>
+        <a:gradFill rotWithShape="1">
+          <a:gsLst>
+            <a:gs pos="0">
+              <a:schemeClr val="phClr">
+                <a:tint val="93000"/>
+                <a:satMod val="150000"/>
+                <a:shade val="98000"/>
+                <a:lumMod val="102000"/>
+              </a:schemeClr>
+            </a:gs>
+            <a:gs pos="50000">
+              <a:schemeClr val="phClr">
+                <a:tint val="98000"/>
+                <a:satMod val="130000"/>
+                <a:shade val="90000"/>
+                <a:lumMod val="103000"/>
+              </a:schemeClr>
+            </a:gs>
+            <a:gs pos="100000">
+              <a:schemeClr val="phClr">
+                <a:shade val="63000"/>
+                <a:satMod val="120000"/>
+              </a:schemeClr>
+            </a:gs>
+          </a:gsLst>
+          <a:lin ang="5400000" scaled="0"/>
+        </a:gradFill>
+      </a:bgFillStyleLst>
+    </a:fmtScheme>
+  </a:themeElements>
+  <a:objectDefaults/>
+  <a:extraClrSchemeLst/>
+  <a:extLst>
+    <a:ext uri="{05A4C25C-085E-4340-85A3-A5531E510DB2}">
+      <thm15:themeFamily xmlns:thm15="http://schemas.microsoft.com/office/thememl/2012/main" name="Office Theme" id="{62F939B6-93AF-4DB8-9C6B-D6C7DFDC589F}" vid="{4A3C46E8-61CC-4603-A589-7422A47A8E4A}"/>
+    </a:ext>
+  </a:extLst>
+</a:theme>
 </file>
--- a/phys489/poster/nuclear_power.pptx
+++ b/phys489/poster/nuclear_power.pptx
@@ -197,7 +197,7 @@
           <a:p>
             <a:fld id="{C0452666-1B16-6941-8CDA-BF9159F55F9E}" type="datetimeFigureOut">
               <a:rPr lang="en-US" smtClean="0"/>
-              <a:t>2/20/24</a:t>
+              <a:t>3/12/24</a:t>
             </a:fld>
             <a:endParaRPr lang="en-US"/>
           </a:p>
@@ -508,7 +508,7 @@
           <a:bodyPr/>
           <a:lstStyle/>
           <a:p>
-            <a:endParaRPr lang="en-US"/>
+            <a:endParaRPr lang="en-US" dirty="0"/>
           </a:p>
         </p:txBody>
       </p:sp>
@@ -679,7 +679,7 @@
           <a:p>
             <a:fld id="{56868BF5-B9D4-AA41-BC3C-2408A665BEE8}" type="datetimeFigureOut">
               <a:rPr lang="en-US" smtClean="0"/>
-              <a:t>2/20/24</a:t>
+              <a:t>3/12/24</a:t>
             </a:fld>
             <a:endParaRPr lang="en-US"/>
           </a:p>
@@ -849,7 +849,7 @@
           <a:p>
             <a:fld id="{56868BF5-B9D4-AA41-BC3C-2408A665BEE8}" type="datetimeFigureOut">
               <a:rPr lang="en-US" smtClean="0"/>
-              <a:t>2/20/24</a:t>
+              <a:t>3/12/24</a:t>
             </a:fld>
             <a:endParaRPr lang="en-US"/>
           </a:p>
@@ -1029,7 +1029,7 @@
           <a:p>
             <a:fld id="{56868BF5-B9D4-AA41-BC3C-2408A665BEE8}" type="datetimeFigureOut">
               <a:rPr lang="en-US" smtClean="0"/>
-              <a:t>2/20/24</a:t>
+              <a:t>3/12/24</a:t>
             </a:fld>
             <a:endParaRPr lang="en-US"/>
           </a:p>
@@ -1199,7 +1199,7 @@
           <a:p>
             <a:fld id="{56868BF5-B9D4-AA41-BC3C-2408A665BEE8}" type="datetimeFigureOut">
               <a:rPr lang="en-US" smtClean="0"/>
-              <a:t>2/20/24</a:t>
+              <a:t>3/12/24</a:t>
             </a:fld>
             <a:endParaRPr lang="en-US"/>
           </a:p>
@@ -1443,7 +1443,7 @@
           <a:p>
             <a:fld id="{56868BF5-B9D4-AA41-BC3C-2408A665BEE8}" type="datetimeFigureOut">
               <a:rPr lang="en-US" smtClean="0"/>
-              <a:t>2/20/24</a:t>
+              <a:t>3/12/24</a:t>
             </a:fld>
             <a:endParaRPr lang="en-US"/>
           </a:p>
@@ -1675,7 +1675,7 @@
           <a:p>
             <a:fld id="{56868BF5-B9D4-AA41-BC3C-2408A665BEE8}" type="datetimeFigureOut">
               <a:rPr lang="en-US" smtClean="0"/>
-              <a:t>2/20/24</a:t>
+              <a:t>3/12/24</a:t>
             </a:fld>
             <a:endParaRPr lang="en-US"/>
           </a:p>
@@ -2042,7 +2042,7 @@
           <a:p>
             <a:fld id="{56868BF5-B9D4-AA41-BC3C-2408A665BEE8}" type="datetimeFigureOut">
               <a:rPr lang="en-US" smtClean="0"/>
-              <a:t>2/20/24</a:t>
+              <a:t>3/12/24</a:t>
             </a:fld>
             <a:endParaRPr lang="en-US"/>
           </a:p>
@@ -2160,7 +2160,7 @@
           <a:p>
             <a:fld id="{56868BF5-B9D4-AA41-BC3C-2408A665BEE8}" type="datetimeFigureOut">
               <a:rPr lang="en-US" smtClean="0"/>
-              <a:t>2/20/24</a:t>
+              <a:t>3/12/24</a:t>
             </a:fld>
             <a:endParaRPr lang="en-US"/>
           </a:p>
@@ -2255,7 +2255,7 @@
           <a:p>
             <a:fld id="{56868BF5-B9D4-AA41-BC3C-2408A665BEE8}" type="datetimeFigureOut">
               <a:rPr lang="en-US" smtClean="0"/>
-              <a:t>2/20/24</a:t>
+              <a:t>3/12/24</a:t>
             </a:fld>
             <a:endParaRPr lang="en-US"/>
           </a:p>
@@ -2532,7 +2532,7 @@
           <a:p>
             <a:fld id="{56868BF5-B9D4-AA41-BC3C-2408A665BEE8}" type="datetimeFigureOut">
               <a:rPr lang="en-US" smtClean="0"/>
-              <a:t>2/20/24</a:t>
+              <a:t>3/12/24</a:t>
             </a:fld>
             <a:endParaRPr lang="en-US"/>
           </a:p>
@@ -2789,7 +2789,7 @@
           <a:p>
             <a:fld id="{56868BF5-B9D4-AA41-BC3C-2408A665BEE8}" type="datetimeFigureOut">
               <a:rPr lang="en-US" smtClean="0"/>
-              <a:t>2/20/24</a:t>
+              <a:t>3/12/24</a:t>
             </a:fld>
             <a:endParaRPr lang="en-US"/>
           </a:p>
@@ -3002,7 +3002,7 @@
           <a:p>
             <a:fld id="{56868BF5-B9D4-AA41-BC3C-2408A665BEE8}" type="datetimeFigureOut">
               <a:rPr lang="en-US" smtClean="0"/>
-              <a:t>2/20/24</a:t>
+              <a:t>3/12/24</a:t>
             </a:fld>
             <a:endParaRPr lang="en-US"/>
           </a:p>
@@ -3407,6 +3407,1865 @@
           <a:chExt cx="0" cy="0"/>
         </a:xfrm>
       </p:grpSpPr>
+      <p:grpSp>
+        <p:nvGrpSpPr>
+          <p:cNvPr id="15" name="Group 14">
+            <a:extLst>
+              <a:ext uri="{FF2B5EF4-FFF2-40B4-BE49-F238E27FC236}">
+                <a16:creationId xmlns:a16="http://schemas.microsoft.com/office/drawing/2014/main" id="{D10E39A8-6EE1-C555-C725-070AD9FB19DB}"/>
+              </a:ext>
+            </a:extLst>
+          </p:cNvPr>
+          <p:cNvGrpSpPr/>
+          <p:nvPr/>
+        </p:nvGrpSpPr>
+        <p:grpSpPr>
+          <a:xfrm rot="16200000">
+            <a:off x="9371730" y="2971675"/>
+            <a:ext cx="5573868" cy="7858126"/>
+            <a:chOff x="0" y="50380"/>
+            <a:chExt cx="16293986" cy="21920410"/>
+          </a:xfrm>
+        </p:grpSpPr>
+        <p:pic>
+          <p:nvPicPr>
+            <p:cNvPr id="16" name="Picture 4" descr="undefined">
+              <a:extLst>
+                <a:ext uri="{FF2B5EF4-FFF2-40B4-BE49-F238E27FC236}">
+                  <a16:creationId xmlns:a16="http://schemas.microsoft.com/office/drawing/2014/main" id="{0A1DE5E7-9159-D300-2C6E-F0B0357B804A}"/>
+                </a:ext>
+              </a:extLst>
+            </p:cNvPr>
+            <p:cNvPicPr>
+              <a:picLocks noChangeAspect="1" noChangeArrowheads="1"/>
+            </p:cNvPicPr>
+            <p:nvPr/>
+          </p:nvPicPr>
+          <p:blipFill>
+            <a:blip r:embed="rId3">
+              <a:extLst>
+                <a:ext uri="{28A0092B-C50C-407E-A947-70E740481C1C}">
+                  <a14:useLocalDpi xmlns:a14="http://schemas.microsoft.com/office/drawing/2010/main" val="0"/>
+                </a:ext>
+              </a:extLst>
+            </a:blip>
+            <a:srcRect/>
+            <a:stretch>
+              <a:fillRect/>
+            </a:stretch>
+          </p:blipFill>
+          <p:spPr bwMode="auto">
+            <a:xfrm>
+              <a:off x="562707" y="50380"/>
+              <a:ext cx="15333785" cy="21895220"/>
+            </a:xfrm>
+            <a:prstGeom prst="rect">
+              <a:avLst/>
+            </a:prstGeom>
+            <a:noFill/>
+            <a:extLst>
+              <a:ext uri="{909E8E84-426E-40DD-AFC4-6F175D3DCCD1}">
+                <a14:hiddenFill xmlns:a14="http://schemas.microsoft.com/office/drawing/2010/main">
+                  <a:solidFill>
+                    <a:srgbClr val="FFFFFF"/>
+                  </a:solidFill>
+                </a14:hiddenFill>
+              </a:ext>
+            </a:extLst>
+          </p:spPr>
+        </p:pic>
+        <p:sp>
+          <p:nvSpPr>
+            <p:cNvPr id="17" name="Rectangle 16">
+              <a:extLst>
+                <a:ext uri="{FF2B5EF4-FFF2-40B4-BE49-F238E27FC236}">
+                  <a16:creationId xmlns:a16="http://schemas.microsoft.com/office/drawing/2014/main" id="{BF45D640-A646-E3A1-5376-4D0EAF6FE63B}"/>
+                </a:ext>
+              </a:extLst>
+            </p:cNvPr>
+            <p:cNvSpPr/>
+            <p:nvPr/>
+          </p:nvSpPr>
+          <p:spPr>
+            <a:xfrm>
+              <a:off x="562707" y="19138605"/>
+              <a:ext cx="3520195" cy="2806995"/>
+            </a:xfrm>
+            <a:prstGeom prst="rect">
+              <a:avLst/>
+            </a:prstGeom>
+            <a:solidFill>
+              <a:schemeClr val="bg1"/>
+            </a:solidFill>
+            <a:ln>
+              <a:noFill/>
+            </a:ln>
+          </p:spPr>
+          <p:style>
+            <a:lnRef idx="2">
+              <a:schemeClr val="accent1">
+                <a:shade val="15000"/>
+              </a:schemeClr>
+            </a:lnRef>
+            <a:fillRef idx="1">
+              <a:schemeClr val="accent1"/>
+            </a:fillRef>
+            <a:effectRef idx="0">
+              <a:schemeClr val="accent1"/>
+            </a:effectRef>
+            <a:fontRef idx="minor">
+              <a:schemeClr val="lt1"/>
+            </a:fontRef>
+          </p:style>
+          <p:txBody>
+            <a:bodyPr rtlCol="0" anchor="ctr"/>
+            <a:lstStyle/>
+            <a:p>
+              <a:pPr algn="ctr"/>
+              <a:endParaRPr lang="en-US"/>
+            </a:p>
+          </p:txBody>
+        </p:sp>
+        <p:sp>
+          <p:nvSpPr>
+            <p:cNvPr id="18" name="Rectangle 17">
+              <a:extLst>
+                <a:ext uri="{FF2B5EF4-FFF2-40B4-BE49-F238E27FC236}">
+                  <a16:creationId xmlns:a16="http://schemas.microsoft.com/office/drawing/2014/main" id="{F961EB3A-ACA5-C11B-DD71-26BBDD8804DC}"/>
+                </a:ext>
+              </a:extLst>
+            </p:cNvPr>
+            <p:cNvSpPr/>
+            <p:nvPr/>
+          </p:nvSpPr>
+          <p:spPr>
+            <a:xfrm>
+              <a:off x="3458307" y="18759377"/>
+              <a:ext cx="3520195" cy="2806995"/>
+            </a:xfrm>
+            <a:prstGeom prst="rect">
+              <a:avLst/>
+            </a:prstGeom>
+            <a:solidFill>
+              <a:schemeClr val="bg1"/>
+            </a:solidFill>
+            <a:ln>
+              <a:noFill/>
+            </a:ln>
+          </p:spPr>
+          <p:style>
+            <a:lnRef idx="2">
+              <a:schemeClr val="accent1">
+                <a:shade val="15000"/>
+              </a:schemeClr>
+            </a:lnRef>
+            <a:fillRef idx="1">
+              <a:schemeClr val="accent1"/>
+            </a:fillRef>
+            <a:effectRef idx="0">
+              <a:schemeClr val="accent1"/>
+            </a:effectRef>
+            <a:fontRef idx="minor">
+              <a:schemeClr val="lt1"/>
+            </a:fontRef>
+          </p:style>
+          <p:txBody>
+            <a:bodyPr rtlCol="0" anchor="ctr"/>
+            <a:lstStyle/>
+            <a:p>
+              <a:pPr algn="ctr"/>
+              <a:endParaRPr lang="en-US"/>
+            </a:p>
+          </p:txBody>
+        </p:sp>
+        <p:sp>
+          <p:nvSpPr>
+            <p:cNvPr id="19" name="Rectangle 18">
+              <a:extLst>
+                <a:ext uri="{FF2B5EF4-FFF2-40B4-BE49-F238E27FC236}">
+                  <a16:creationId xmlns:a16="http://schemas.microsoft.com/office/drawing/2014/main" id="{78419E66-A66D-6862-F1DD-0769F055874E}"/>
+                </a:ext>
+              </a:extLst>
+            </p:cNvPr>
+            <p:cNvSpPr/>
+            <p:nvPr/>
+          </p:nvSpPr>
+          <p:spPr>
+            <a:xfrm>
+              <a:off x="1528088" y="16331610"/>
+              <a:ext cx="3520195" cy="2806995"/>
+            </a:xfrm>
+            <a:prstGeom prst="rect">
+              <a:avLst/>
+            </a:prstGeom>
+            <a:solidFill>
+              <a:schemeClr val="bg1"/>
+            </a:solidFill>
+            <a:ln>
+              <a:noFill/>
+            </a:ln>
+          </p:spPr>
+          <p:style>
+            <a:lnRef idx="2">
+              <a:schemeClr val="accent1">
+                <a:shade val="15000"/>
+              </a:schemeClr>
+            </a:lnRef>
+            <a:fillRef idx="1">
+              <a:schemeClr val="accent1"/>
+            </a:fillRef>
+            <a:effectRef idx="0">
+              <a:schemeClr val="accent1"/>
+            </a:effectRef>
+            <a:fontRef idx="minor">
+              <a:schemeClr val="lt1"/>
+            </a:fontRef>
+          </p:style>
+          <p:txBody>
+            <a:bodyPr rtlCol="0" anchor="ctr"/>
+            <a:lstStyle/>
+            <a:p>
+              <a:pPr algn="ctr"/>
+              <a:endParaRPr lang="en-US"/>
+            </a:p>
+          </p:txBody>
+        </p:sp>
+        <p:sp>
+          <p:nvSpPr>
+            <p:cNvPr id="20" name="Rectangle 19">
+              <a:extLst>
+                <a:ext uri="{FF2B5EF4-FFF2-40B4-BE49-F238E27FC236}">
+                  <a16:creationId xmlns:a16="http://schemas.microsoft.com/office/drawing/2014/main" id="{FD9F0ECE-DB06-C0CF-1B59-3FBB589CFE17}"/>
+                </a:ext>
+              </a:extLst>
+            </p:cNvPr>
+            <p:cNvSpPr/>
+            <p:nvPr/>
+          </p:nvSpPr>
+          <p:spPr>
+            <a:xfrm>
+              <a:off x="11581309" y="19088225"/>
+              <a:ext cx="3520195" cy="2806995"/>
+            </a:xfrm>
+            <a:prstGeom prst="rect">
+              <a:avLst/>
+            </a:prstGeom>
+            <a:solidFill>
+              <a:schemeClr val="bg1"/>
+            </a:solidFill>
+            <a:ln>
+              <a:noFill/>
+            </a:ln>
+          </p:spPr>
+          <p:style>
+            <a:lnRef idx="2">
+              <a:schemeClr val="accent1">
+                <a:shade val="15000"/>
+              </a:schemeClr>
+            </a:lnRef>
+            <a:fillRef idx="1">
+              <a:schemeClr val="accent1"/>
+            </a:fillRef>
+            <a:effectRef idx="0">
+              <a:schemeClr val="accent1"/>
+            </a:effectRef>
+            <a:fontRef idx="minor">
+              <a:schemeClr val="lt1"/>
+            </a:fontRef>
+          </p:style>
+          <p:txBody>
+            <a:bodyPr rtlCol="0" anchor="ctr"/>
+            <a:lstStyle/>
+            <a:p>
+              <a:pPr algn="ctr"/>
+              <a:endParaRPr lang="en-US"/>
+            </a:p>
+          </p:txBody>
+        </p:sp>
+        <p:sp>
+          <p:nvSpPr>
+            <p:cNvPr id="21" name="Rectangle 20">
+              <a:extLst>
+                <a:ext uri="{FF2B5EF4-FFF2-40B4-BE49-F238E27FC236}">
+                  <a16:creationId xmlns:a16="http://schemas.microsoft.com/office/drawing/2014/main" id="{EE81F9C4-0A12-7F17-7A42-6D6ED40F5A9B}"/>
+                </a:ext>
+              </a:extLst>
+            </p:cNvPr>
+            <p:cNvSpPr/>
+            <p:nvPr/>
+          </p:nvSpPr>
+          <p:spPr>
+            <a:xfrm>
+              <a:off x="12773791" y="19163795"/>
+              <a:ext cx="3520195" cy="2806995"/>
+            </a:xfrm>
+            <a:prstGeom prst="rect">
+              <a:avLst/>
+            </a:prstGeom>
+            <a:solidFill>
+              <a:schemeClr val="bg1"/>
+            </a:solidFill>
+            <a:ln>
+              <a:noFill/>
+            </a:ln>
+          </p:spPr>
+          <p:style>
+            <a:lnRef idx="2">
+              <a:schemeClr val="accent1">
+                <a:shade val="15000"/>
+              </a:schemeClr>
+            </a:lnRef>
+            <a:fillRef idx="1">
+              <a:schemeClr val="accent1"/>
+            </a:fillRef>
+            <a:effectRef idx="0">
+              <a:schemeClr val="accent1"/>
+            </a:effectRef>
+            <a:fontRef idx="minor">
+              <a:schemeClr val="lt1"/>
+            </a:fontRef>
+          </p:style>
+          <p:txBody>
+            <a:bodyPr rtlCol="0" anchor="ctr"/>
+            <a:lstStyle/>
+            <a:p>
+              <a:pPr algn="ctr"/>
+              <a:endParaRPr lang="en-US"/>
+            </a:p>
+          </p:txBody>
+        </p:sp>
+        <p:sp>
+          <p:nvSpPr>
+            <p:cNvPr id="22" name="Rectangle 21">
+              <a:extLst>
+                <a:ext uri="{FF2B5EF4-FFF2-40B4-BE49-F238E27FC236}">
+                  <a16:creationId xmlns:a16="http://schemas.microsoft.com/office/drawing/2014/main" id="{FD29E8E0-E48C-7F5A-56F7-D982FC981EF2}"/>
+                </a:ext>
+              </a:extLst>
+            </p:cNvPr>
+            <p:cNvSpPr/>
+            <p:nvPr/>
+          </p:nvSpPr>
+          <p:spPr>
+            <a:xfrm>
+              <a:off x="11410919" y="16376294"/>
+              <a:ext cx="3520195" cy="2806995"/>
+            </a:xfrm>
+            <a:prstGeom prst="rect">
+              <a:avLst/>
+            </a:prstGeom>
+            <a:solidFill>
+              <a:schemeClr val="bg1"/>
+            </a:solidFill>
+            <a:ln>
+              <a:noFill/>
+            </a:ln>
+          </p:spPr>
+          <p:style>
+            <a:lnRef idx="2">
+              <a:schemeClr val="accent1">
+                <a:shade val="15000"/>
+              </a:schemeClr>
+            </a:lnRef>
+            <a:fillRef idx="1">
+              <a:schemeClr val="accent1"/>
+            </a:fillRef>
+            <a:effectRef idx="0">
+              <a:schemeClr val="accent1"/>
+            </a:effectRef>
+            <a:fontRef idx="minor">
+              <a:schemeClr val="lt1"/>
+            </a:fontRef>
+          </p:style>
+          <p:txBody>
+            <a:bodyPr rtlCol="0" anchor="ctr"/>
+            <a:lstStyle/>
+            <a:p>
+              <a:pPr algn="ctr"/>
+              <a:endParaRPr lang="en-US"/>
+            </a:p>
+          </p:txBody>
+        </p:sp>
+        <p:sp>
+          <p:nvSpPr>
+            <p:cNvPr id="23" name="Rectangle 22">
+              <a:extLst>
+                <a:ext uri="{FF2B5EF4-FFF2-40B4-BE49-F238E27FC236}">
+                  <a16:creationId xmlns:a16="http://schemas.microsoft.com/office/drawing/2014/main" id="{F644F260-BE02-3311-04CC-DA9A75866330}"/>
+                </a:ext>
+              </a:extLst>
+            </p:cNvPr>
+            <p:cNvSpPr/>
+            <p:nvPr/>
+          </p:nvSpPr>
+          <p:spPr>
+            <a:xfrm>
+              <a:off x="5435963" y="10104475"/>
+              <a:ext cx="3520195" cy="2806995"/>
+            </a:xfrm>
+            <a:prstGeom prst="rect">
+              <a:avLst/>
+            </a:prstGeom>
+            <a:solidFill>
+              <a:schemeClr val="bg1"/>
+            </a:solidFill>
+            <a:ln>
+              <a:noFill/>
+            </a:ln>
+          </p:spPr>
+          <p:style>
+            <a:lnRef idx="2">
+              <a:schemeClr val="accent1">
+                <a:shade val="15000"/>
+              </a:schemeClr>
+            </a:lnRef>
+            <a:fillRef idx="1">
+              <a:schemeClr val="accent1"/>
+            </a:fillRef>
+            <a:effectRef idx="0">
+              <a:schemeClr val="accent1"/>
+            </a:effectRef>
+            <a:fontRef idx="minor">
+              <a:schemeClr val="lt1"/>
+            </a:fontRef>
+          </p:style>
+          <p:txBody>
+            <a:bodyPr rtlCol="0" anchor="ctr"/>
+            <a:lstStyle/>
+            <a:p>
+              <a:pPr algn="ctr"/>
+              <a:endParaRPr lang="en-US"/>
+            </a:p>
+          </p:txBody>
+        </p:sp>
+        <p:sp>
+          <p:nvSpPr>
+            <p:cNvPr id="24" name="Rectangle 23">
+              <a:extLst>
+                <a:ext uri="{FF2B5EF4-FFF2-40B4-BE49-F238E27FC236}">
+                  <a16:creationId xmlns:a16="http://schemas.microsoft.com/office/drawing/2014/main" id="{6A293B44-1725-DB68-C0F3-F86897AA4816}"/>
+                </a:ext>
+              </a:extLst>
+            </p:cNvPr>
+            <p:cNvSpPr/>
+            <p:nvPr/>
+          </p:nvSpPr>
+          <p:spPr>
+            <a:xfrm>
+              <a:off x="7499770" y="10079285"/>
+              <a:ext cx="3520195" cy="2806995"/>
+            </a:xfrm>
+            <a:prstGeom prst="rect">
+              <a:avLst/>
+            </a:prstGeom>
+            <a:solidFill>
+              <a:schemeClr val="bg1"/>
+            </a:solidFill>
+            <a:ln>
+              <a:noFill/>
+            </a:ln>
+          </p:spPr>
+          <p:style>
+            <a:lnRef idx="2">
+              <a:schemeClr val="accent1">
+                <a:shade val="15000"/>
+              </a:schemeClr>
+            </a:lnRef>
+            <a:fillRef idx="1">
+              <a:schemeClr val="accent1"/>
+            </a:fillRef>
+            <a:effectRef idx="0">
+              <a:schemeClr val="accent1"/>
+            </a:effectRef>
+            <a:fontRef idx="minor">
+              <a:schemeClr val="lt1"/>
+            </a:fontRef>
+          </p:style>
+          <p:txBody>
+            <a:bodyPr rtlCol="0" anchor="ctr"/>
+            <a:lstStyle/>
+            <a:p>
+              <a:pPr algn="ctr"/>
+              <a:endParaRPr lang="en-US"/>
+            </a:p>
+          </p:txBody>
+        </p:sp>
+        <p:sp>
+          <p:nvSpPr>
+            <p:cNvPr id="25" name="Rectangle 24">
+              <a:extLst>
+                <a:ext uri="{FF2B5EF4-FFF2-40B4-BE49-F238E27FC236}">
+                  <a16:creationId xmlns:a16="http://schemas.microsoft.com/office/drawing/2014/main" id="{1086A961-FFE5-C8D6-97AD-A3A1E6471D98}"/>
+                </a:ext>
+              </a:extLst>
+            </p:cNvPr>
+            <p:cNvSpPr/>
+            <p:nvPr/>
+          </p:nvSpPr>
+          <p:spPr>
+            <a:xfrm>
+              <a:off x="165212" y="8994763"/>
+              <a:ext cx="3003289" cy="2806995"/>
+            </a:xfrm>
+            <a:prstGeom prst="rect">
+              <a:avLst/>
+            </a:prstGeom>
+            <a:solidFill>
+              <a:schemeClr val="bg1"/>
+            </a:solidFill>
+            <a:ln>
+              <a:noFill/>
+            </a:ln>
+          </p:spPr>
+          <p:style>
+            <a:lnRef idx="2">
+              <a:schemeClr val="accent1">
+                <a:shade val="15000"/>
+              </a:schemeClr>
+            </a:lnRef>
+            <a:fillRef idx="1">
+              <a:schemeClr val="accent1"/>
+            </a:fillRef>
+            <a:effectRef idx="0">
+              <a:schemeClr val="accent1"/>
+            </a:effectRef>
+            <a:fontRef idx="minor">
+              <a:schemeClr val="lt1"/>
+            </a:fontRef>
+          </p:style>
+          <p:txBody>
+            <a:bodyPr rtlCol="0" anchor="ctr"/>
+            <a:lstStyle/>
+            <a:p>
+              <a:pPr algn="ctr"/>
+              <a:endParaRPr lang="en-US"/>
+            </a:p>
+          </p:txBody>
+        </p:sp>
+        <p:sp>
+          <p:nvSpPr>
+            <p:cNvPr id="26" name="Rectangle 25">
+              <a:extLst>
+                <a:ext uri="{FF2B5EF4-FFF2-40B4-BE49-F238E27FC236}">
+                  <a16:creationId xmlns:a16="http://schemas.microsoft.com/office/drawing/2014/main" id="{1767B5F0-98BD-DE08-751C-AFB0D02FFF7E}"/>
+                </a:ext>
+              </a:extLst>
+            </p:cNvPr>
+            <p:cNvSpPr/>
+            <p:nvPr/>
+          </p:nvSpPr>
+          <p:spPr>
+            <a:xfrm>
+              <a:off x="0" y="5744744"/>
+              <a:ext cx="2322804" cy="2806995"/>
+            </a:xfrm>
+            <a:prstGeom prst="rect">
+              <a:avLst/>
+            </a:prstGeom>
+            <a:solidFill>
+              <a:schemeClr val="bg1"/>
+            </a:solidFill>
+            <a:ln>
+              <a:noFill/>
+            </a:ln>
+          </p:spPr>
+          <p:style>
+            <a:lnRef idx="2">
+              <a:schemeClr val="accent1">
+                <a:shade val="15000"/>
+              </a:schemeClr>
+            </a:lnRef>
+            <a:fillRef idx="1">
+              <a:schemeClr val="accent1"/>
+            </a:fillRef>
+            <a:effectRef idx="0">
+              <a:schemeClr val="accent1"/>
+            </a:effectRef>
+            <a:fontRef idx="minor">
+              <a:schemeClr val="lt1"/>
+            </a:fontRef>
+          </p:style>
+          <p:txBody>
+            <a:bodyPr rtlCol="0" anchor="ctr"/>
+            <a:lstStyle/>
+            <a:p>
+              <a:pPr algn="ctr"/>
+              <a:endParaRPr lang="en-US"/>
+            </a:p>
+          </p:txBody>
+        </p:sp>
+        <p:sp>
+          <p:nvSpPr>
+            <p:cNvPr id="27" name="Rectangle 26">
+              <a:extLst>
+                <a:ext uri="{FF2B5EF4-FFF2-40B4-BE49-F238E27FC236}">
+                  <a16:creationId xmlns:a16="http://schemas.microsoft.com/office/drawing/2014/main" id="{61DB0C7F-1A15-EC83-669C-B2356F25E541}"/>
+                </a:ext>
+              </a:extLst>
+            </p:cNvPr>
+            <p:cNvSpPr/>
+            <p:nvPr/>
+          </p:nvSpPr>
+          <p:spPr>
+            <a:xfrm>
+              <a:off x="5819688" y="5042995"/>
+              <a:ext cx="4621483" cy="2806995"/>
+            </a:xfrm>
+            <a:prstGeom prst="rect">
+              <a:avLst/>
+            </a:prstGeom>
+            <a:solidFill>
+              <a:schemeClr val="bg1"/>
+            </a:solidFill>
+            <a:ln>
+              <a:noFill/>
+            </a:ln>
+          </p:spPr>
+          <p:style>
+            <a:lnRef idx="2">
+              <a:schemeClr val="accent1">
+                <a:shade val="15000"/>
+              </a:schemeClr>
+            </a:lnRef>
+            <a:fillRef idx="1">
+              <a:schemeClr val="accent1"/>
+            </a:fillRef>
+            <a:effectRef idx="0">
+              <a:schemeClr val="accent1"/>
+            </a:effectRef>
+            <a:fontRef idx="minor">
+              <a:schemeClr val="lt1"/>
+            </a:fontRef>
+          </p:style>
+          <p:txBody>
+            <a:bodyPr rtlCol="0" anchor="ctr"/>
+            <a:lstStyle/>
+            <a:p>
+              <a:pPr algn="ctr"/>
+              <a:endParaRPr lang="en-US"/>
+            </a:p>
+          </p:txBody>
+        </p:sp>
+        <p:sp>
+          <p:nvSpPr>
+            <p:cNvPr id="28" name="Rectangle 27">
+              <a:extLst>
+                <a:ext uri="{FF2B5EF4-FFF2-40B4-BE49-F238E27FC236}">
+                  <a16:creationId xmlns:a16="http://schemas.microsoft.com/office/drawing/2014/main" id="{10E43982-7335-856D-7B00-AD33AB325D00}"/>
+                </a:ext>
+              </a:extLst>
+            </p:cNvPr>
+            <p:cNvSpPr/>
+            <p:nvPr/>
+          </p:nvSpPr>
+          <p:spPr>
+            <a:xfrm>
+              <a:off x="4689093" y="340243"/>
+              <a:ext cx="6892215" cy="2806995"/>
+            </a:xfrm>
+            <a:prstGeom prst="rect">
+              <a:avLst/>
+            </a:prstGeom>
+            <a:solidFill>
+              <a:schemeClr val="bg1"/>
+            </a:solidFill>
+            <a:ln>
+              <a:noFill/>
+            </a:ln>
+          </p:spPr>
+          <p:style>
+            <a:lnRef idx="2">
+              <a:schemeClr val="accent1">
+                <a:shade val="15000"/>
+              </a:schemeClr>
+            </a:lnRef>
+            <a:fillRef idx="1">
+              <a:schemeClr val="accent1"/>
+            </a:fillRef>
+            <a:effectRef idx="0">
+              <a:schemeClr val="accent1"/>
+            </a:effectRef>
+            <a:fontRef idx="minor">
+              <a:schemeClr val="lt1"/>
+            </a:fontRef>
+          </p:style>
+          <p:txBody>
+            <a:bodyPr rtlCol="0" anchor="ctr"/>
+            <a:lstStyle/>
+            <a:p>
+              <a:pPr algn="ctr"/>
+              <a:endParaRPr lang="en-US"/>
+            </a:p>
+          </p:txBody>
+        </p:sp>
+        <p:sp>
+          <p:nvSpPr>
+            <p:cNvPr id="29" name="Rectangle 28">
+              <a:extLst>
+                <a:ext uri="{FF2B5EF4-FFF2-40B4-BE49-F238E27FC236}">
+                  <a16:creationId xmlns:a16="http://schemas.microsoft.com/office/drawing/2014/main" id="{ADF695AB-27EC-FEB4-6D4A-E42D40C7CB80}"/>
+                </a:ext>
+              </a:extLst>
+            </p:cNvPr>
+            <p:cNvSpPr/>
+            <p:nvPr/>
+          </p:nvSpPr>
+          <p:spPr>
+            <a:xfrm>
+              <a:off x="4377340" y="4018724"/>
+              <a:ext cx="1044854" cy="1024271"/>
+            </a:xfrm>
+            <a:prstGeom prst="rect">
+              <a:avLst/>
+            </a:prstGeom>
+            <a:solidFill>
+              <a:schemeClr val="bg1"/>
+            </a:solidFill>
+            <a:ln>
+              <a:noFill/>
+            </a:ln>
+          </p:spPr>
+          <p:style>
+            <a:lnRef idx="2">
+              <a:schemeClr val="accent1">
+                <a:shade val="15000"/>
+              </a:schemeClr>
+            </a:lnRef>
+            <a:fillRef idx="1">
+              <a:schemeClr val="accent1"/>
+            </a:fillRef>
+            <a:effectRef idx="0">
+              <a:schemeClr val="accent1"/>
+            </a:effectRef>
+            <a:fontRef idx="minor">
+              <a:schemeClr val="lt1"/>
+            </a:fontRef>
+          </p:style>
+          <p:txBody>
+            <a:bodyPr rtlCol="0" anchor="ctr"/>
+            <a:lstStyle/>
+            <a:p>
+              <a:pPr algn="ctr"/>
+              <a:endParaRPr lang="en-US"/>
+            </a:p>
+          </p:txBody>
+        </p:sp>
+        <p:sp>
+          <p:nvSpPr>
+            <p:cNvPr id="30" name="Rectangle 29">
+              <a:extLst>
+                <a:ext uri="{FF2B5EF4-FFF2-40B4-BE49-F238E27FC236}">
+                  <a16:creationId xmlns:a16="http://schemas.microsoft.com/office/drawing/2014/main" id="{A7042E35-0820-EA59-E952-F2BF8828632B}"/>
+                </a:ext>
+              </a:extLst>
+            </p:cNvPr>
+            <p:cNvSpPr/>
+            <p:nvPr/>
+          </p:nvSpPr>
+          <p:spPr>
+            <a:xfrm>
+              <a:off x="483234" y="424922"/>
+              <a:ext cx="1044854" cy="1024271"/>
+            </a:xfrm>
+            <a:prstGeom prst="rect">
+              <a:avLst/>
+            </a:prstGeom>
+            <a:solidFill>
+              <a:schemeClr val="bg1"/>
+            </a:solidFill>
+            <a:ln>
+              <a:noFill/>
+            </a:ln>
+          </p:spPr>
+          <p:style>
+            <a:lnRef idx="2">
+              <a:schemeClr val="accent1">
+                <a:shade val="15000"/>
+              </a:schemeClr>
+            </a:lnRef>
+            <a:fillRef idx="1">
+              <a:schemeClr val="accent1"/>
+            </a:fillRef>
+            <a:effectRef idx="0">
+              <a:schemeClr val="accent1"/>
+            </a:effectRef>
+            <a:fontRef idx="minor">
+              <a:schemeClr val="lt1"/>
+            </a:fontRef>
+          </p:style>
+          <p:txBody>
+            <a:bodyPr rtlCol="0" anchor="ctr"/>
+            <a:lstStyle/>
+            <a:p>
+              <a:pPr algn="ctr"/>
+              <a:endParaRPr lang="en-US"/>
+            </a:p>
+          </p:txBody>
+        </p:sp>
+        <p:sp>
+          <p:nvSpPr>
+            <p:cNvPr id="31" name="Rectangle 30">
+              <a:extLst>
+                <a:ext uri="{FF2B5EF4-FFF2-40B4-BE49-F238E27FC236}">
+                  <a16:creationId xmlns:a16="http://schemas.microsoft.com/office/drawing/2014/main" id="{008C5D5C-EE8A-3334-5C57-E8DA437DCE93}"/>
+                </a:ext>
+              </a:extLst>
+            </p:cNvPr>
+            <p:cNvSpPr/>
+            <p:nvPr/>
+          </p:nvSpPr>
+          <p:spPr>
+            <a:xfrm>
+              <a:off x="14758464" y="340243"/>
+              <a:ext cx="1044854" cy="1024271"/>
+            </a:xfrm>
+            <a:prstGeom prst="rect">
+              <a:avLst/>
+            </a:prstGeom>
+            <a:solidFill>
+              <a:schemeClr val="bg1"/>
+            </a:solidFill>
+            <a:ln>
+              <a:noFill/>
+            </a:ln>
+          </p:spPr>
+          <p:style>
+            <a:lnRef idx="2">
+              <a:schemeClr val="accent1">
+                <a:shade val="15000"/>
+              </a:schemeClr>
+            </a:lnRef>
+            <a:fillRef idx="1">
+              <a:schemeClr val="accent1"/>
+            </a:fillRef>
+            <a:effectRef idx="0">
+              <a:schemeClr val="accent1"/>
+            </a:effectRef>
+            <a:fontRef idx="minor">
+              <a:schemeClr val="lt1"/>
+            </a:fontRef>
+          </p:style>
+          <p:txBody>
+            <a:bodyPr rtlCol="0" anchor="ctr"/>
+            <a:lstStyle/>
+            <a:p>
+              <a:pPr algn="ctr"/>
+              <a:endParaRPr lang="en-US"/>
+            </a:p>
+          </p:txBody>
+        </p:sp>
+        <p:sp>
+          <p:nvSpPr>
+            <p:cNvPr id="32" name="Rectangle 31">
+              <a:extLst>
+                <a:ext uri="{FF2B5EF4-FFF2-40B4-BE49-F238E27FC236}">
+                  <a16:creationId xmlns:a16="http://schemas.microsoft.com/office/drawing/2014/main" id="{06F15176-E5B2-051F-4824-EE99C313D77D}"/>
+                </a:ext>
+              </a:extLst>
+            </p:cNvPr>
+            <p:cNvSpPr/>
+            <p:nvPr/>
+          </p:nvSpPr>
+          <p:spPr>
+            <a:xfrm>
+              <a:off x="14408687" y="4097328"/>
+              <a:ext cx="1044854" cy="1024271"/>
+            </a:xfrm>
+            <a:prstGeom prst="rect">
+              <a:avLst/>
+            </a:prstGeom>
+            <a:solidFill>
+              <a:schemeClr val="bg1"/>
+            </a:solidFill>
+            <a:ln>
+              <a:noFill/>
+            </a:ln>
+          </p:spPr>
+          <p:style>
+            <a:lnRef idx="2">
+              <a:schemeClr val="accent1">
+                <a:shade val="15000"/>
+              </a:schemeClr>
+            </a:lnRef>
+            <a:fillRef idx="1">
+              <a:schemeClr val="accent1"/>
+            </a:fillRef>
+            <a:effectRef idx="0">
+              <a:schemeClr val="accent1"/>
+            </a:effectRef>
+            <a:fontRef idx="minor">
+              <a:schemeClr val="lt1"/>
+            </a:fontRef>
+          </p:style>
+          <p:txBody>
+            <a:bodyPr rtlCol="0" anchor="ctr"/>
+            <a:lstStyle/>
+            <a:p>
+              <a:pPr algn="ctr"/>
+              <a:endParaRPr lang="en-US"/>
+            </a:p>
+          </p:txBody>
+        </p:sp>
+        <p:sp>
+          <p:nvSpPr>
+            <p:cNvPr id="33" name="Rectangle 32">
+              <a:extLst>
+                <a:ext uri="{FF2B5EF4-FFF2-40B4-BE49-F238E27FC236}">
+                  <a16:creationId xmlns:a16="http://schemas.microsoft.com/office/drawing/2014/main" id="{778F2B4C-F308-B342-0A7C-DF26E6C3E203}"/>
+                </a:ext>
+              </a:extLst>
+            </p:cNvPr>
+            <p:cNvSpPr/>
+            <p:nvPr/>
+          </p:nvSpPr>
+          <p:spPr>
+            <a:xfrm>
+              <a:off x="14236037" y="6011502"/>
+              <a:ext cx="1044854" cy="1024271"/>
+            </a:xfrm>
+            <a:prstGeom prst="rect">
+              <a:avLst/>
+            </a:prstGeom>
+            <a:solidFill>
+              <a:schemeClr val="bg1"/>
+            </a:solidFill>
+            <a:ln>
+              <a:noFill/>
+            </a:ln>
+          </p:spPr>
+          <p:style>
+            <a:lnRef idx="2">
+              <a:schemeClr val="accent1">
+                <a:shade val="15000"/>
+              </a:schemeClr>
+            </a:lnRef>
+            <a:fillRef idx="1">
+              <a:schemeClr val="accent1"/>
+            </a:fillRef>
+            <a:effectRef idx="0">
+              <a:schemeClr val="accent1"/>
+            </a:effectRef>
+            <a:fontRef idx="minor">
+              <a:schemeClr val="lt1"/>
+            </a:fontRef>
+          </p:style>
+          <p:txBody>
+            <a:bodyPr rtlCol="0" anchor="ctr"/>
+            <a:lstStyle/>
+            <a:p>
+              <a:pPr algn="ctr"/>
+              <a:endParaRPr lang="en-US"/>
+            </a:p>
+          </p:txBody>
+        </p:sp>
+        <p:sp>
+          <p:nvSpPr>
+            <p:cNvPr id="34" name="Rectangle 33">
+              <a:extLst>
+                <a:ext uri="{FF2B5EF4-FFF2-40B4-BE49-F238E27FC236}">
+                  <a16:creationId xmlns:a16="http://schemas.microsoft.com/office/drawing/2014/main" id="{FA9D6983-427A-21F8-C043-7D0A083B28D3}"/>
+                </a:ext>
+              </a:extLst>
+            </p:cNvPr>
+            <p:cNvSpPr/>
+            <p:nvPr/>
+          </p:nvSpPr>
+          <p:spPr>
+            <a:xfrm>
+              <a:off x="13287427" y="9373989"/>
+              <a:ext cx="1044854" cy="1024271"/>
+            </a:xfrm>
+            <a:prstGeom prst="rect">
+              <a:avLst/>
+            </a:prstGeom>
+            <a:solidFill>
+              <a:schemeClr val="bg1"/>
+            </a:solidFill>
+            <a:ln>
+              <a:noFill/>
+            </a:ln>
+          </p:spPr>
+          <p:style>
+            <a:lnRef idx="2">
+              <a:schemeClr val="accent1">
+                <a:shade val="15000"/>
+              </a:schemeClr>
+            </a:lnRef>
+            <a:fillRef idx="1">
+              <a:schemeClr val="accent1"/>
+            </a:fillRef>
+            <a:effectRef idx="0">
+              <a:schemeClr val="accent1"/>
+            </a:effectRef>
+            <a:fontRef idx="minor">
+              <a:schemeClr val="lt1"/>
+            </a:fontRef>
+          </p:style>
+          <p:txBody>
+            <a:bodyPr rtlCol="0" anchor="ctr"/>
+            <a:lstStyle/>
+            <a:p>
+              <a:pPr algn="ctr"/>
+              <a:endParaRPr lang="en-US"/>
+            </a:p>
+          </p:txBody>
+        </p:sp>
+        <p:pic>
+          <p:nvPicPr>
+            <p:cNvPr id="35" name="Picture 4" descr="undefined">
+              <a:extLst>
+                <a:ext uri="{FF2B5EF4-FFF2-40B4-BE49-F238E27FC236}">
+                  <a16:creationId xmlns:a16="http://schemas.microsoft.com/office/drawing/2014/main" id="{567A4542-3CDE-FDB3-B73E-00169BE40B1F}"/>
+                </a:ext>
+              </a:extLst>
+            </p:cNvPr>
+            <p:cNvPicPr>
+              <a:picLocks noChangeAspect="1" noChangeArrowheads="1"/>
+            </p:cNvPicPr>
+            <p:nvPr/>
+          </p:nvPicPr>
+          <p:blipFill rotWithShape="1">
+            <a:blip r:embed="rId3">
+              <a:extLst>
+                <a:ext uri="{28A0092B-C50C-407E-A947-70E740481C1C}">
+                  <a14:useLocalDpi xmlns:a14="http://schemas.microsoft.com/office/drawing/2010/main" val="0"/>
+                </a:ext>
+              </a:extLst>
+            </a:blip>
+            <a:srcRect t="88247" r="76904" b="1"/>
+            <a:stretch/>
+          </p:blipFill>
+          <p:spPr bwMode="auto">
+            <a:xfrm rot="5400000">
+              <a:off x="-450314" y="18876335"/>
+              <a:ext cx="3541460" cy="2573078"/>
+            </a:xfrm>
+            <a:prstGeom prst="rect">
+              <a:avLst/>
+            </a:prstGeom>
+            <a:noFill/>
+            <a:extLst>
+              <a:ext uri="{909E8E84-426E-40DD-AFC4-6F175D3DCCD1}">
+                <a14:hiddenFill xmlns:a14="http://schemas.microsoft.com/office/drawing/2010/main">
+                  <a:solidFill>
+                    <a:srgbClr val="FFFFFF"/>
+                  </a:solidFill>
+                </a14:hiddenFill>
+              </a:ext>
+            </a:extLst>
+          </p:spPr>
+        </p:pic>
+        <p:pic>
+          <p:nvPicPr>
+            <p:cNvPr id="36" name="Picture 4" descr="undefined">
+              <a:extLst>
+                <a:ext uri="{FF2B5EF4-FFF2-40B4-BE49-F238E27FC236}">
+                  <a16:creationId xmlns:a16="http://schemas.microsoft.com/office/drawing/2014/main" id="{49844B2E-5600-1C1C-9993-EEC0B4296383}"/>
+                </a:ext>
+              </a:extLst>
+            </p:cNvPr>
+            <p:cNvPicPr>
+              <a:picLocks noChangeAspect="1" noChangeArrowheads="1"/>
+            </p:cNvPicPr>
+            <p:nvPr/>
+          </p:nvPicPr>
+          <p:blipFill rotWithShape="1">
+            <a:blip r:embed="rId3">
+              <a:extLst>
+                <a:ext uri="{28A0092B-C50C-407E-A947-70E740481C1C}">
+                  <a14:useLocalDpi xmlns:a14="http://schemas.microsoft.com/office/drawing/2010/main" val="0"/>
+                </a:ext>
+              </a:extLst>
+            </a:blip>
+            <a:srcRect l="71079" t="90870"/>
+            <a:stretch/>
+          </p:blipFill>
+          <p:spPr bwMode="auto">
+            <a:xfrm rot="5400000">
+              <a:off x="-1217837" y="15376834"/>
+              <a:ext cx="4434594" cy="1998920"/>
+            </a:xfrm>
+            <a:prstGeom prst="rect">
+              <a:avLst/>
+            </a:prstGeom>
+            <a:noFill/>
+            <a:extLst>
+              <a:ext uri="{909E8E84-426E-40DD-AFC4-6F175D3DCCD1}">
+                <a14:hiddenFill xmlns:a14="http://schemas.microsoft.com/office/drawing/2010/main">
+                  <a:solidFill>
+                    <a:srgbClr val="FFFFFF"/>
+                  </a:solidFill>
+                </a14:hiddenFill>
+              </a:ext>
+            </a:extLst>
+          </p:spPr>
+        </p:pic>
+        <p:pic>
+          <p:nvPicPr>
+            <p:cNvPr id="37" name="Picture 4" descr="undefined">
+              <a:extLst>
+                <a:ext uri="{FF2B5EF4-FFF2-40B4-BE49-F238E27FC236}">
+                  <a16:creationId xmlns:a16="http://schemas.microsoft.com/office/drawing/2014/main" id="{5D84D65E-7943-2045-9140-0C512A46B478}"/>
+                </a:ext>
+              </a:extLst>
+            </p:cNvPr>
+            <p:cNvPicPr>
+              <a:picLocks noChangeAspect="1" noChangeArrowheads="1"/>
+            </p:cNvPicPr>
+            <p:nvPr/>
+          </p:nvPicPr>
+          <p:blipFill rotWithShape="1">
+            <a:blip r:embed="rId3">
+              <a:extLst>
+                <a:ext uri="{28A0092B-C50C-407E-A947-70E740481C1C}">
+                  <a14:useLocalDpi xmlns:a14="http://schemas.microsoft.com/office/drawing/2010/main" val="0"/>
+                </a:ext>
+              </a:extLst>
+            </a:blip>
+            <a:srcRect l="31555" t="87957" r="57350" b="6410"/>
+            <a:stretch/>
+          </p:blipFill>
+          <p:spPr bwMode="auto">
+            <a:xfrm rot="5400000">
+              <a:off x="5572078" y="19372522"/>
+              <a:ext cx="1701210" cy="1233377"/>
+            </a:xfrm>
+            <a:prstGeom prst="rect">
+              <a:avLst/>
+            </a:prstGeom>
+            <a:noFill/>
+            <a:extLst>
+              <a:ext uri="{909E8E84-426E-40DD-AFC4-6F175D3DCCD1}">
+                <a14:hiddenFill xmlns:a14="http://schemas.microsoft.com/office/drawing/2010/main">
+                  <a:solidFill>
+                    <a:srgbClr val="FFFFFF"/>
+                  </a:solidFill>
+                </a14:hiddenFill>
+              </a:ext>
+            </a:extLst>
+          </p:spPr>
+        </p:pic>
+        <p:pic>
+          <p:nvPicPr>
+            <p:cNvPr id="38" name="Picture 4" descr="undefined">
+              <a:extLst>
+                <a:ext uri="{FF2B5EF4-FFF2-40B4-BE49-F238E27FC236}">
+                  <a16:creationId xmlns:a16="http://schemas.microsoft.com/office/drawing/2014/main" id="{B2A0D614-3150-483B-A946-925DCBB9ECCE}"/>
+                </a:ext>
+              </a:extLst>
+            </p:cNvPr>
+            <p:cNvPicPr>
+              <a:picLocks noChangeAspect="1" noChangeArrowheads="1"/>
+            </p:cNvPicPr>
+            <p:nvPr/>
+          </p:nvPicPr>
+          <p:blipFill rotWithShape="1">
+            <a:blip r:embed="rId3">
+              <a:extLst>
+                <a:ext uri="{28A0092B-C50C-407E-A947-70E740481C1C}">
+                  <a14:useLocalDpi xmlns:a14="http://schemas.microsoft.com/office/drawing/2010/main" val="0"/>
+                </a:ext>
+              </a:extLst>
+            </a:blip>
+            <a:srcRect l="22264" t="75331" r="70109" b="18939"/>
+            <a:stretch/>
+          </p:blipFill>
+          <p:spPr bwMode="auto">
+            <a:xfrm rot="5400000">
+              <a:off x="4314976" y="15631633"/>
+              <a:ext cx="1169581" cy="1254641"/>
+            </a:xfrm>
+            <a:prstGeom prst="rect">
+              <a:avLst/>
+            </a:prstGeom>
+            <a:noFill/>
+            <a:extLst>
+              <a:ext uri="{909E8E84-426E-40DD-AFC4-6F175D3DCCD1}">
+                <a14:hiddenFill xmlns:a14="http://schemas.microsoft.com/office/drawing/2010/main">
+                  <a:solidFill>
+                    <a:srgbClr val="FFFFFF"/>
+                  </a:solidFill>
+                </a14:hiddenFill>
+              </a:ext>
+            </a:extLst>
+          </p:spPr>
+        </p:pic>
+        <p:pic>
+          <p:nvPicPr>
+            <p:cNvPr id="39" name="Picture 4" descr="undefined">
+              <a:extLst>
+                <a:ext uri="{FF2B5EF4-FFF2-40B4-BE49-F238E27FC236}">
+                  <a16:creationId xmlns:a16="http://schemas.microsoft.com/office/drawing/2014/main" id="{E95C142D-827C-EAB5-3685-0757C09885BA}"/>
+                </a:ext>
+              </a:extLst>
+            </p:cNvPr>
+            <p:cNvPicPr>
+              <a:picLocks noChangeAspect="1" noChangeArrowheads="1"/>
+            </p:cNvPicPr>
+            <p:nvPr/>
+          </p:nvPicPr>
+          <p:blipFill rotWithShape="1">
+            <a:blip r:embed="rId3">
+              <a:extLst>
+                <a:ext uri="{28A0092B-C50C-407E-A947-70E740481C1C}">
+                  <a14:useLocalDpi xmlns:a14="http://schemas.microsoft.com/office/drawing/2010/main" val="0"/>
+                </a:ext>
+              </a:extLst>
+            </a:blip>
+            <a:srcRect l="22264" t="75331" r="70109" b="18939"/>
+            <a:stretch/>
+          </p:blipFill>
+          <p:spPr bwMode="auto">
+            <a:xfrm rot="5400000">
+              <a:off x="11000888" y="15631633"/>
+              <a:ext cx="1169581" cy="1254641"/>
+            </a:xfrm>
+            <a:prstGeom prst="rect">
+              <a:avLst/>
+            </a:prstGeom>
+            <a:noFill/>
+            <a:extLst>
+              <a:ext uri="{909E8E84-426E-40DD-AFC4-6F175D3DCCD1}">
+                <a14:hiddenFill xmlns:a14="http://schemas.microsoft.com/office/drawing/2010/main">
+                  <a:solidFill>
+                    <a:srgbClr val="FFFFFF"/>
+                  </a:solidFill>
+                </a14:hiddenFill>
+              </a:ext>
+            </a:extLst>
+          </p:spPr>
+        </p:pic>
+        <p:pic>
+          <p:nvPicPr>
+            <p:cNvPr id="40" name="Picture 4" descr="undefined">
+              <a:extLst>
+                <a:ext uri="{FF2B5EF4-FFF2-40B4-BE49-F238E27FC236}">
+                  <a16:creationId xmlns:a16="http://schemas.microsoft.com/office/drawing/2014/main" id="{1D67B648-6DA0-C39F-C796-D6264F06A615}"/>
+                </a:ext>
+              </a:extLst>
+            </p:cNvPr>
+            <p:cNvPicPr>
+              <a:picLocks noChangeAspect="1" noChangeArrowheads="1"/>
+            </p:cNvPicPr>
+            <p:nvPr/>
+          </p:nvPicPr>
+          <p:blipFill rotWithShape="1">
+            <a:blip r:embed="rId3">
+              <a:extLst>
+                <a:ext uri="{28A0092B-C50C-407E-A947-70E740481C1C}">
+                  <a14:useLocalDpi xmlns:a14="http://schemas.microsoft.com/office/drawing/2010/main" val="0"/>
+                </a:ext>
+              </a:extLst>
+            </a:blip>
+            <a:srcRect l="22264" t="75331" r="70109" b="18939"/>
+            <a:stretch/>
+          </p:blipFill>
+          <p:spPr bwMode="auto">
+            <a:xfrm rot="5400000">
+              <a:off x="14495583" y="1116419"/>
+              <a:ext cx="1169581" cy="1254641"/>
+            </a:xfrm>
+            <a:prstGeom prst="rect">
+              <a:avLst/>
+            </a:prstGeom>
+            <a:noFill/>
+            <a:extLst>
+              <a:ext uri="{909E8E84-426E-40DD-AFC4-6F175D3DCCD1}">
+                <a14:hiddenFill xmlns:a14="http://schemas.microsoft.com/office/drawing/2010/main">
+                  <a:solidFill>
+                    <a:srgbClr val="FFFFFF"/>
+                  </a:solidFill>
+                </a14:hiddenFill>
+              </a:ext>
+            </a:extLst>
+          </p:spPr>
+        </p:pic>
+        <p:pic>
+          <p:nvPicPr>
+            <p:cNvPr id="41" name="Picture 4" descr="undefined">
+              <a:extLst>
+                <a:ext uri="{FF2B5EF4-FFF2-40B4-BE49-F238E27FC236}">
+                  <a16:creationId xmlns:a16="http://schemas.microsoft.com/office/drawing/2014/main" id="{C7E9D9C3-B607-86D5-81CA-33EA3D177E47}"/>
+                </a:ext>
+              </a:extLst>
+            </p:cNvPr>
+            <p:cNvPicPr>
+              <a:picLocks noChangeAspect="1" noChangeArrowheads="1"/>
+            </p:cNvPicPr>
+            <p:nvPr/>
+          </p:nvPicPr>
+          <p:blipFill rotWithShape="1">
+            <a:blip r:embed="rId3">
+              <a:extLst>
+                <a:ext uri="{28A0092B-C50C-407E-A947-70E740481C1C}">
+                  <a14:useLocalDpi xmlns:a14="http://schemas.microsoft.com/office/drawing/2010/main" val="0"/>
+                </a:ext>
+              </a:extLst>
+            </a:blip>
+            <a:srcRect l="22264" t="75331" r="70109" b="18939"/>
+            <a:stretch/>
+          </p:blipFill>
+          <p:spPr bwMode="auto">
+            <a:xfrm rot="5400000">
+              <a:off x="10826128" y="1116419"/>
+              <a:ext cx="1169581" cy="1254641"/>
+            </a:xfrm>
+            <a:prstGeom prst="rect">
+              <a:avLst/>
+            </a:prstGeom>
+            <a:noFill/>
+            <a:extLst>
+              <a:ext uri="{909E8E84-426E-40DD-AFC4-6F175D3DCCD1}">
+                <a14:hiddenFill xmlns:a14="http://schemas.microsoft.com/office/drawing/2010/main">
+                  <a:solidFill>
+                    <a:srgbClr val="FFFFFF"/>
+                  </a:solidFill>
+                </a14:hiddenFill>
+              </a:ext>
+            </a:extLst>
+          </p:spPr>
+        </p:pic>
+        <p:pic>
+          <p:nvPicPr>
+            <p:cNvPr id="42" name="Picture 4" descr="undefined">
+              <a:extLst>
+                <a:ext uri="{FF2B5EF4-FFF2-40B4-BE49-F238E27FC236}">
+                  <a16:creationId xmlns:a16="http://schemas.microsoft.com/office/drawing/2014/main" id="{74FE9E23-3047-E18B-4411-9BCF8726E896}"/>
+                </a:ext>
+              </a:extLst>
+            </p:cNvPr>
+            <p:cNvPicPr>
+              <a:picLocks noChangeAspect="1" noChangeArrowheads="1"/>
+            </p:cNvPicPr>
+            <p:nvPr/>
+          </p:nvPicPr>
+          <p:blipFill rotWithShape="1">
+            <a:blip r:embed="rId3">
+              <a:extLst>
+                <a:ext uri="{28A0092B-C50C-407E-A947-70E740481C1C}">
+                  <a14:useLocalDpi xmlns:a14="http://schemas.microsoft.com/office/drawing/2010/main" val="0"/>
+                </a:ext>
+              </a:extLst>
+            </a:blip>
+            <a:srcRect l="22264" t="75331" r="70109" b="18939"/>
+            <a:stretch/>
+          </p:blipFill>
+          <p:spPr bwMode="auto">
+            <a:xfrm rot="5400000">
+              <a:off x="4419870" y="1119703"/>
+              <a:ext cx="1169581" cy="1254641"/>
+            </a:xfrm>
+            <a:prstGeom prst="rect">
+              <a:avLst/>
+            </a:prstGeom>
+            <a:noFill/>
+            <a:extLst>
+              <a:ext uri="{909E8E84-426E-40DD-AFC4-6F175D3DCCD1}">
+                <a14:hiddenFill xmlns:a14="http://schemas.microsoft.com/office/drawing/2010/main">
+                  <a:solidFill>
+                    <a:srgbClr val="FFFFFF"/>
+                  </a:solidFill>
+                </a14:hiddenFill>
+              </a:ext>
+            </a:extLst>
+          </p:spPr>
+        </p:pic>
+        <p:pic>
+          <p:nvPicPr>
+            <p:cNvPr id="43" name="Picture 4" descr="undefined">
+              <a:extLst>
+                <a:ext uri="{FF2B5EF4-FFF2-40B4-BE49-F238E27FC236}">
+                  <a16:creationId xmlns:a16="http://schemas.microsoft.com/office/drawing/2014/main" id="{325806BE-0CDF-A777-A60B-CEBC6C1D4229}"/>
+                </a:ext>
+              </a:extLst>
+            </p:cNvPr>
+            <p:cNvPicPr>
+              <a:picLocks noChangeAspect="1" noChangeArrowheads="1"/>
+            </p:cNvPicPr>
+            <p:nvPr/>
+          </p:nvPicPr>
+          <p:blipFill rotWithShape="1">
+            <a:blip r:embed="rId3">
+              <a:extLst>
+                <a:ext uri="{28A0092B-C50C-407E-A947-70E740481C1C}">
+                  <a14:useLocalDpi xmlns:a14="http://schemas.microsoft.com/office/drawing/2010/main" val="0"/>
+                </a:ext>
+              </a:extLst>
+            </a:blip>
+            <a:srcRect l="22264" t="75331" r="70109" b="18939"/>
+            <a:stretch/>
+          </p:blipFill>
+          <p:spPr bwMode="auto">
+            <a:xfrm rot="5400000">
+              <a:off x="750415" y="1119703"/>
+              <a:ext cx="1169581" cy="1254641"/>
+            </a:xfrm>
+            <a:prstGeom prst="rect">
+              <a:avLst/>
+            </a:prstGeom>
+            <a:noFill/>
+            <a:extLst>
+              <a:ext uri="{909E8E84-426E-40DD-AFC4-6F175D3DCCD1}">
+                <a14:hiddenFill xmlns:a14="http://schemas.microsoft.com/office/drawing/2010/main">
+                  <a:solidFill>
+                    <a:srgbClr val="FFFFFF"/>
+                  </a:solidFill>
+                </a14:hiddenFill>
+              </a:ext>
+            </a:extLst>
+          </p:spPr>
+        </p:pic>
+        <p:pic>
+          <p:nvPicPr>
+            <p:cNvPr id="44" name="Picture 4" descr="undefined">
+              <a:extLst>
+                <a:ext uri="{FF2B5EF4-FFF2-40B4-BE49-F238E27FC236}">
+                  <a16:creationId xmlns:a16="http://schemas.microsoft.com/office/drawing/2014/main" id="{089975A5-E866-E5C9-010B-3FED4F28FBF7}"/>
+                </a:ext>
+              </a:extLst>
+            </p:cNvPr>
+            <p:cNvPicPr>
+              <a:picLocks noChangeAspect="1" noChangeArrowheads="1"/>
+            </p:cNvPicPr>
+            <p:nvPr/>
+          </p:nvPicPr>
+          <p:blipFill rotWithShape="1">
+            <a:blip r:embed="rId3">
+              <a:extLst>
+                <a:ext uri="{28A0092B-C50C-407E-A947-70E740481C1C}">
+                  <a14:useLocalDpi xmlns:a14="http://schemas.microsoft.com/office/drawing/2010/main" val="0"/>
+                </a:ext>
+              </a:extLst>
+            </a:blip>
+            <a:srcRect l="22264" t="75331" r="70109" b="18939"/>
+            <a:stretch/>
+          </p:blipFill>
+          <p:spPr bwMode="auto">
+            <a:xfrm rot="5400000">
+              <a:off x="5515705" y="4835914"/>
+              <a:ext cx="1169581" cy="1254641"/>
+            </a:xfrm>
+            <a:prstGeom prst="rect">
+              <a:avLst/>
+            </a:prstGeom>
+            <a:noFill/>
+            <a:extLst>
+              <a:ext uri="{909E8E84-426E-40DD-AFC4-6F175D3DCCD1}">
+                <a14:hiddenFill xmlns:a14="http://schemas.microsoft.com/office/drawing/2010/main">
+                  <a:solidFill>
+                    <a:srgbClr val="FFFFFF"/>
+                  </a:solidFill>
+                </a14:hiddenFill>
+              </a:ext>
+            </a:extLst>
+          </p:spPr>
+        </p:pic>
+        <p:pic>
+          <p:nvPicPr>
+            <p:cNvPr id="45" name="Picture 4" descr="undefined">
+              <a:extLst>
+                <a:ext uri="{FF2B5EF4-FFF2-40B4-BE49-F238E27FC236}">
+                  <a16:creationId xmlns:a16="http://schemas.microsoft.com/office/drawing/2014/main" id="{211ABAB5-2B3F-07C3-3376-80FF0BC52E7C}"/>
+                </a:ext>
+              </a:extLst>
+            </p:cNvPr>
+            <p:cNvPicPr>
+              <a:picLocks noChangeAspect="1" noChangeArrowheads="1"/>
+            </p:cNvPicPr>
+            <p:nvPr/>
+          </p:nvPicPr>
+          <p:blipFill rotWithShape="1">
+            <a:blip r:embed="rId3">
+              <a:extLst>
+                <a:ext uri="{28A0092B-C50C-407E-A947-70E740481C1C}">
+                  <a14:useLocalDpi xmlns:a14="http://schemas.microsoft.com/office/drawing/2010/main" val="0"/>
+                </a:ext>
+              </a:extLst>
+            </a:blip>
+            <a:srcRect l="22264" t="75331" r="70109" b="18939"/>
+            <a:stretch/>
+          </p:blipFill>
+          <p:spPr bwMode="auto">
+            <a:xfrm rot="5400000">
+              <a:off x="9536860" y="4835914"/>
+              <a:ext cx="1169581" cy="1254641"/>
+            </a:xfrm>
+            <a:prstGeom prst="rect">
+              <a:avLst/>
+            </a:prstGeom>
+            <a:noFill/>
+            <a:extLst>
+              <a:ext uri="{909E8E84-426E-40DD-AFC4-6F175D3DCCD1}">
+                <a14:hiddenFill xmlns:a14="http://schemas.microsoft.com/office/drawing/2010/main">
+                  <a:solidFill>
+                    <a:srgbClr val="FFFFFF"/>
+                  </a:solidFill>
+                </a14:hiddenFill>
+              </a:ext>
+            </a:extLst>
+          </p:spPr>
+        </p:pic>
+        <p:pic>
+          <p:nvPicPr>
+            <p:cNvPr id="46" name="Picture 4" descr="undefined">
+              <a:extLst>
+                <a:ext uri="{FF2B5EF4-FFF2-40B4-BE49-F238E27FC236}">
+                  <a16:creationId xmlns:a16="http://schemas.microsoft.com/office/drawing/2014/main" id="{9E1DFCB3-6A82-E3F2-5FCD-F80B4B94F5F7}"/>
+                </a:ext>
+              </a:extLst>
+            </p:cNvPr>
+            <p:cNvPicPr>
+              <a:picLocks noChangeAspect="1" noChangeArrowheads="1"/>
+            </p:cNvPicPr>
+            <p:nvPr/>
+          </p:nvPicPr>
+          <p:blipFill rotWithShape="1">
+            <a:blip r:embed="rId3">
+              <a:extLst>
+                <a:ext uri="{28A0092B-C50C-407E-A947-70E740481C1C}">
+                  <a14:useLocalDpi xmlns:a14="http://schemas.microsoft.com/office/drawing/2010/main" val="0"/>
+                </a:ext>
+              </a:extLst>
+            </a:blip>
+            <a:srcRect l="3403" t="27256" r="88692" b="66917"/>
+            <a:stretch/>
+          </p:blipFill>
+          <p:spPr bwMode="auto">
+            <a:xfrm rot="5400000">
+              <a:off x="1392863" y="7111660"/>
+              <a:ext cx="1212113" cy="1275907"/>
+            </a:xfrm>
+            <a:prstGeom prst="rect">
+              <a:avLst/>
+            </a:prstGeom>
+            <a:noFill/>
+            <a:extLst>
+              <a:ext uri="{909E8E84-426E-40DD-AFC4-6F175D3DCCD1}">
+                <a14:hiddenFill xmlns:a14="http://schemas.microsoft.com/office/drawing/2010/main">
+                  <a:solidFill>
+                    <a:srgbClr val="FFFFFF"/>
+                  </a:solidFill>
+                </a14:hiddenFill>
+              </a:ext>
+            </a:extLst>
+          </p:spPr>
+        </p:pic>
+        <p:pic>
+          <p:nvPicPr>
+            <p:cNvPr id="47" name="Picture 4" descr="undefined">
+              <a:extLst>
+                <a:ext uri="{FF2B5EF4-FFF2-40B4-BE49-F238E27FC236}">
+                  <a16:creationId xmlns:a16="http://schemas.microsoft.com/office/drawing/2014/main" id="{951450AA-69EB-ED23-D66E-8A70E0FC36C0}"/>
+                </a:ext>
+              </a:extLst>
+            </p:cNvPr>
+            <p:cNvPicPr>
+              <a:picLocks noChangeAspect="1" noChangeArrowheads="1"/>
+            </p:cNvPicPr>
+            <p:nvPr/>
+          </p:nvPicPr>
+          <p:blipFill rotWithShape="1">
+            <a:blip r:embed="rId3">
+              <a:extLst>
+                <a:ext uri="{28A0092B-C50C-407E-A947-70E740481C1C}">
+                  <a14:useLocalDpi xmlns:a14="http://schemas.microsoft.com/office/drawing/2010/main" val="0"/>
+                </a:ext>
+              </a:extLst>
+            </a:blip>
+            <a:srcRect l="3403" t="27256" r="88692" b="66917"/>
+            <a:stretch/>
+          </p:blipFill>
+          <p:spPr bwMode="auto">
+            <a:xfrm rot="5400000">
+              <a:off x="14214574" y="7111660"/>
+              <a:ext cx="1212113" cy="1275907"/>
+            </a:xfrm>
+            <a:prstGeom prst="rect">
+              <a:avLst/>
+            </a:prstGeom>
+            <a:noFill/>
+            <a:extLst>
+              <a:ext uri="{909E8E84-426E-40DD-AFC4-6F175D3DCCD1}">
+                <a14:hiddenFill xmlns:a14="http://schemas.microsoft.com/office/drawing/2010/main">
+                  <a:solidFill>
+                    <a:srgbClr val="FFFFFF"/>
+                  </a:solidFill>
+                </a14:hiddenFill>
+              </a:ext>
+            </a:extLst>
+          </p:spPr>
+        </p:pic>
+        <p:pic>
+          <p:nvPicPr>
+            <p:cNvPr id="48" name="Picture 4" descr="undefined">
+              <a:extLst>
+                <a:ext uri="{FF2B5EF4-FFF2-40B4-BE49-F238E27FC236}">
+                  <a16:creationId xmlns:a16="http://schemas.microsoft.com/office/drawing/2014/main" id="{DDA1390A-4C7D-09F2-3D3E-3322BC4C4CF5}"/>
+                </a:ext>
+              </a:extLst>
+            </p:cNvPr>
+            <p:cNvPicPr>
+              <a:picLocks noChangeAspect="1" noChangeArrowheads="1"/>
+            </p:cNvPicPr>
+            <p:nvPr/>
+          </p:nvPicPr>
+          <p:blipFill rotWithShape="1">
+            <a:blip r:embed="rId3">
+              <a:extLst>
+                <a:ext uri="{28A0092B-C50C-407E-A947-70E740481C1C}">
+                  <a14:useLocalDpi xmlns:a14="http://schemas.microsoft.com/office/drawing/2010/main" val="0"/>
+                </a:ext>
+              </a:extLst>
+            </a:blip>
+            <a:srcRect l="30997" t="53575" r="56937" b="41472"/>
+            <a:stretch/>
+          </p:blipFill>
+          <p:spPr bwMode="auto">
+            <a:xfrm rot="5400000">
+              <a:off x="2785729" y="13361582"/>
+              <a:ext cx="1850065" cy="1084521"/>
+            </a:xfrm>
+            <a:prstGeom prst="rect">
+              <a:avLst/>
+            </a:prstGeom>
+            <a:noFill/>
+            <a:extLst>
+              <a:ext uri="{909E8E84-426E-40DD-AFC4-6F175D3DCCD1}">
+                <a14:hiddenFill xmlns:a14="http://schemas.microsoft.com/office/drawing/2010/main">
+                  <a:solidFill>
+                    <a:srgbClr val="FFFFFF"/>
+                  </a:solidFill>
+                </a14:hiddenFill>
+              </a:ext>
+            </a:extLst>
+          </p:spPr>
+        </p:pic>
+        <p:pic>
+          <p:nvPicPr>
+            <p:cNvPr id="49" name="Picture 4" descr="undefined">
+              <a:extLst>
+                <a:ext uri="{FF2B5EF4-FFF2-40B4-BE49-F238E27FC236}">
+                  <a16:creationId xmlns:a16="http://schemas.microsoft.com/office/drawing/2014/main" id="{7991B51B-1D59-59CE-4E5F-1FFD01F3EC8B}"/>
+                </a:ext>
+              </a:extLst>
+            </p:cNvPr>
+            <p:cNvPicPr>
+              <a:picLocks noChangeAspect="1" noChangeArrowheads="1"/>
+            </p:cNvPicPr>
+            <p:nvPr/>
+          </p:nvPicPr>
+          <p:blipFill rotWithShape="1">
+            <a:blip r:embed="rId3">
+              <a:extLst>
+                <a:ext uri="{28A0092B-C50C-407E-A947-70E740481C1C}">
+                  <a14:useLocalDpi xmlns:a14="http://schemas.microsoft.com/office/drawing/2010/main" val="0"/>
+                </a:ext>
+              </a:extLst>
+            </a:blip>
+            <a:srcRect l="30997" t="53575" r="56937" b="41472"/>
+            <a:stretch/>
+          </p:blipFill>
+          <p:spPr bwMode="auto">
+            <a:xfrm rot="5400000">
+              <a:off x="12391019" y="13361582"/>
+              <a:ext cx="1850065" cy="1084521"/>
+            </a:xfrm>
+            <a:prstGeom prst="rect">
+              <a:avLst/>
+            </a:prstGeom>
+            <a:noFill/>
+            <a:extLst>
+              <a:ext uri="{909E8E84-426E-40DD-AFC4-6F175D3DCCD1}">
+                <a14:hiddenFill xmlns:a14="http://schemas.microsoft.com/office/drawing/2010/main">
+                  <a:solidFill>
+                    <a:srgbClr val="FFFFFF"/>
+                  </a:solidFill>
+                </a14:hiddenFill>
+              </a:ext>
+            </a:extLst>
+          </p:spPr>
+        </p:pic>
+        <p:pic>
+          <p:nvPicPr>
+            <p:cNvPr id="50" name="Picture 4" descr="undefined">
+              <a:extLst>
+                <a:ext uri="{FF2B5EF4-FFF2-40B4-BE49-F238E27FC236}">
+                  <a16:creationId xmlns:a16="http://schemas.microsoft.com/office/drawing/2014/main" id="{E371EFA6-B1D1-4ADA-CBFB-9D1A4C30E5E2}"/>
+                </a:ext>
+              </a:extLst>
+            </p:cNvPr>
+            <p:cNvPicPr>
+              <a:picLocks noChangeAspect="1" noChangeArrowheads="1"/>
+            </p:cNvPicPr>
+            <p:nvPr/>
+          </p:nvPicPr>
+          <p:blipFill rotWithShape="1">
+            <a:blip r:embed="rId3">
+              <a:extLst>
+                <a:ext uri="{28A0092B-C50C-407E-A947-70E740481C1C}">
+                  <a14:useLocalDpi xmlns:a14="http://schemas.microsoft.com/office/drawing/2010/main" val="0"/>
+                </a:ext>
+              </a:extLst>
+            </a:blip>
+            <a:srcRect l="94519" t="91940" r="-622" b="4175"/>
+            <a:stretch/>
+          </p:blipFill>
+          <p:spPr bwMode="auto">
+            <a:xfrm rot="5400000">
+              <a:off x="13127531" y="9791196"/>
+              <a:ext cx="935665" cy="850605"/>
+            </a:xfrm>
+            <a:prstGeom prst="rect">
+              <a:avLst/>
+            </a:prstGeom>
+            <a:noFill/>
+            <a:extLst>
+              <a:ext uri="{909E8E84-426E-40DD-AFC4-6F175D3DCCD1}">
+                <a14:hiddenFill xmlns:a14="http://schemas.microsoft.com/office/drawing/2010/main">
+                  <a:solidFill>
+                    <a:srgbClr val="FFFFFF"/>
+                  </a:solidFill>
+                </a14:hiddenFill>
+              </a:ext>
+            </a:extLst>
+          </p:spPr>
+        </p:pic>
+        <p:pic>
+          <p:nvPicPr>
+            <p:cNvPr id="51" name="Picture 4" descr="undefined">
+              <a:extLst>
+                <a:ext uri="{FF2B5EF4-FFF2-40B4-BE49-F238E27FC236}">
+                  <a16:creationId xmlns:a16="http://schemas.microsoft.com/office/drawing/2014/main" id="{46252AB5-6422-DEC9-3CCE-C5E212BDB442}"/>
+                </a:ext>
+              </a:extLst>
+            </p:cNvPr>
+            <p:cNvPicPr>
+              <a:picLocks noChangeAspect="1" noChangeArrowheads="1"/>
+            </p:cNvPicPr>
+            <p:nvPr/>
+          </p:nvPicPr>
+          <p:blipFill rotWithShape="1">
+            <a:blip r:embed="rId3">
+              <a:extLst>
+                <a:ext uri="{28A0092B-C50C-407E-A947-70E740481C1C}">
+                  <a14:useLocalDpi xmlns:a14="http://schemas.microsoft.com/office/drawing/2010/main" val="0"/>
+                </a:ext>
+              </a:extLst>
+            </a:blip>
+            <a:srcRect l="94519" t="91940" r="-622" b="4175"/>
+            <a:stretch/>
+          </p:blipFill>
+          <p:spPr bwMode="auto">
+            <a:xfrm rot="5400000">
+              <a:off x="2429542" y="9791196"/>
+              <a:ext cx="935665" cy="850605"/>
+            </a:xfrm>
+            <a:prstGeom prst="rect">
+              <a:avLst/>
+            </a:prstGeom>
+            <a:noFill/>
+            <a:extLst>
+              <a:ext uri="{909E8E84-426E-40DD-AFC4-6F175D3DCCD1}">
+                <a14:hiddenFill xmlns:a14="http://schemas.microsoft.com/office/drawing/2010/main">
+                  <a:solidFill>
+                    <a:srgbClr val="FFFFFF"/>
+                  </a:solidFill>
+                </a14:hiddenFill>
+              </a:ext>
+            </a:extLst>
+          </p:spPr>
+        </p:pic>
+        <p:pic>
+          <p:nvPicPr>
+            <p:cNvPr id="52" name="Picture 4" descr="undefined">
+              <a:extLst>
+                <a:ext uri="{FF2B5EF4-FFF2-40B4-BE49-F238E27FC236}">
+                  <a16:creationId xmlns:a16="http://schemas.microsoft.com/office/drawing/2014/main" id="{F296C303-F18B-C449-F7BD-FA4FF57F7602}"/>
+                </a:ext>
+              </a:extLst>
+            </p:cNvPr>
+            <p:cNvPicPr>
+              <a:picLocks noChangeAspect="1" noChangeArrowheads="1"/>
+            </p:cNvPicPr>
+            <p:nvPr/>
+          </p:nvPicPr>
+          <p:blipFill rotWithShape="1">
+            <a:blip r:embed="rId3">
+              <a:extLst>
+                <a:ext uri="{28A0092B-C50C-407E-A947-70E740481C1C}">
+                  <a14:useLocalDpi xmlns:a14="http://schemas.microsoft.com/office/drawing/2010/main" val="0"/>
+                </a:ext>
+              </a:extLst>
+            </a:blip>
+            <a:srcRect l="95351" t="96116" r="349" b="776"/>
+            <a:stretch/>
+          </p:blipFill>
+          <p:spPr bwMode="auto">
+            <a:xfrm rot="5400000">
+              <a:off x="14463685" y="4370609"/>
+              <a:ext cx="659220" cy="680484"/>
+            </a:xfrm>
+            <a:prstGeom prst="rect">
+              <a:avLst/>
+            </a:prstGeom>
+            <a:noFill/>
+            <a:extLst>
+              <a:ext uri="{909E8E84-426E-40DD-AFC4-6F175D3DCCD1}">
+                <a14:hiddenFill xmlns:a14="http://schemas.microsoft.com/office/drawing/2010/main">
+                  <a:solidFill>
+                    <a:srgbClr val="FFFFFF"/>
+                  </a:solidFill>
+                </a14:hiddenFill>
+              </a:ext>
+            </a:extLst>
+          </p:spPr>
+        </p:pic>
+        <p:pic>
+          <p:nvPicPr>
+            <p:cNvPr id="53" name="Picture 4" descr="undefined">
+              <a:extLst>
+                <a:ext uri="{FF2B5EF4-FFF2-40B4-BE49-F238E27FC236}">
+                  <a16:creationId xmlns:a16="http://schemas.microsoft.com/office/drawing/2014/main" id="{88D2A91C-79A8-636B-8932-EB73297F0FAE}"/>
+                </a:ext>
+              </a:extLst>
+            </p:cNvPr>
+            <p:cNvPicPr>
+              <a:picLocks noChangeAspect="1" noChangeArrowheads="1"/>
+            </p:cNvPicPr>
+            <p:nvPr/>
+          </p:nvPicPr>
+          <p:blipFill rotWithShape="1">
+            <a:blip r:embed="rId3">
+              <a:extLst>
+                <a:ext uri="{28A0092B-C50C-407E-A947-70E740481C1C}">
+                  <a14:useLocalDpi xmlns:a14="http://schemas.microsoft.com/office/drawing/2010/main" val="0"/>
+                </a:ext>
+              </a:extLst>
+            </a:blip>
+            <a:srcRect l="95351" t="96116" r="349" b="776"/>
+            <a:stretch/>
+          </p:blipFill>
+          <p:spPr bwMode="auto">
+            <a:xfrm rot="5400000">
+              <a:off x="4405829" y="4370609"/>
+              <a:ext cx="659220" cy="680484"/>
+            </a:xfrm>
+            <a:prstGeom prst="rect">
+              <a:avLst/>
+            </a:prstGeom>
+            <a:noFill/>
+            <a:extLst>
+              <a:ext uri="{909E8E84-426E-40DD-AFC4-6F175D3DCCD1}">
+                <a14:hiddenFill xmlns:a14="http://schemas.microsoft.com/office/drawing/2010/main">
+                  <a:solidFill>
+                    <a:srgbClr val="FFFFFF"/>
+                  </a:solidFill>
+                </a14:hiddenFill>
+              </a:ext>
+            </a:extLst>
+          </p:spPr>
+        </p:pic>
+      </p:grpSp>
       <p:sp>
         <p:nvSpPr>
           <p:cNvPr id="4" name="Rectangle 3">
@@ -3496,7 +5355,7 @@
                 <a:latin typeface="Times New Roman" panose="02020603050405020304" pitchFamily="18" charset="0"/>
                 <a:cs typeface="Times New Roman" panose="02020603050405020304" pitchFamily="18" charset="0"/>
               </a:rPr>
-              <a:t>Nuclear Fusion Power</a:t>
+              <a:t>Nuclear Fusion Physicist</a:t>
             </a:r>
           </a:p>
         </p:txBody>
@@ -3535,27 +5394,24 @@
                 <a:latin typeface="Times New Roman" panose="02020603050405020304" pitchFamily="18" charset="0"/>
                 <a:cs typeface="Times New Roman" panose="02020603050405020304" pitchFamily="18" charset="0"/>
               </a:rPr>
-              <a:t>Stand at the forefront of clean renewable energy!</a:t>
+              <a:t>Imagine a world where energy is derived from the safest and most potent source—nuclear fusion. As a nuclear engineer, you have the opportunity to contribute to the realization of this groundbreaking technology. Fusion, when achieved, promises a future where energy production is not only efficient but also environmentally friendly.</a:t>
             </a:r>
           </a:p>
           <a:p>
             <a:pPr algn="ctr"/>
-            <a:r>
-              <a:rPr lang="en-US" sz="3600" dirty="0">
-                <a:latin typeface="Times New Roman" panose="02020603050405020304" pitchFamily="18" charset="0"/>
-                <a:cs typeface="Times New Roman" panose="02020603050405020304" pitchFamily="18" charset="0"/>
-              </a:rPr>
-              <a:t>Talk about the cool impacts of fusion, that fusion (when realized) is the safest most potent form of energy, that its ”waste” products aren’t radioactive and actually have their own applications, that nuclear engineers get to solve some of the most complex problems facing power generation, etc. etc. </a:t>
-            </a:r>
-          </a:p>
-        </p:txBody>
-      </p:sp>
-      <p:sp>
-        <p:nvSpPr>
-          <p:cNvPr id="9" name="TextBox 8">
+            <a:endParaRPr lang="en-US" sz="3600" dirty="0">
+              <a:latin typeface="Times New Roman" panose="02020603050405020304" pitchFamily="18" charset="0"/>
+              <a:cs typeface="Times New Roman" panose="02020603050405020304" pitchFamily="18" charset="0"/>
+            </a:endParaRPr>
+          </a:p>
+        </p:txBody>
+      </p:sp>
+      <p:sp>
+        <p:nvSpPr>
+          <p:cNvPr id="2" name="TextBox 1">
             <a:extLst>
               <a:ext uri="{FF2B5EF4-FFF2-40B4-BE49-F238E27FC236}">
-                <a16:creationId xmlns:a16="http://schemas.microsoft.com/office/drawing/2014/main" id="{AE192D0A-A0CD-2D68-BC49-3BF145D0FD14}"/>
+                <a16:creationId xmlns:a16="http://schemas.microsoft.com/office/drawing/2014/main" id="{D6CE793D-94AE-97C2-2D52-51DA002102D2}"/>
               </a:ext>
             </a:extLst>
           </p:cNvPr>
@@ -3564,8 +5420,8 @@
         </p:nvSpPr>
         <p:spPr>
           <a:xfrm>
-            <a:off x="0" y="5185894"/>
-            <a:ext cx="16459200" cy="1754326"/>
+            <a:off x="0" y="4693242"/>
+            <a:ext cx="8229600" cy="4524315"/>
           </a:xfrm>
           <a:prstGeom prst="rect">
             <a:avLst/>
@@ -3580,41 +5436,34 @@
           <a:p>
             <a:pPr algn="ctr"/>
             <a:r>
+              <a:rPr lang="en-US" sz="3600" b="1" dirty="0">
+                <a:latin typeface="Times New Roman" panose="02020603050405020304" pitchFamily="18" charset="0"/>
+                <a:cs typeface="Times New Roman" panose="02020603050405020304" pitchFamily="18" charset="0"/>
+              </a:rPr>
+              <a:t>Safety First</a:t>
+            </a:r>
+            <a:endParaRPr lang="en-US" sz="3600" dirty="0">
+              <a:latin typeface="Times New Roman" panose="02020603050405020304" pitchFamily="18" charset="0"/>
+              <a:cs typeface="Times New Roman" panose="02020603050405020304" pitchFamily="18" charset="0"/>
+            </a:endParaRPr>
+          </a:p>
+          <a:p>
+            <a:r>
               <a:rPr lang="en-US" sz="3600" dirty="0">
                 <a:latin typeface="Times New Roman" panose="02020603050405020304" pitchFamily="18" charset="0"/>
                 <a:cs typeface="Times New Roman" panose="02020603050405020304" pitchFamily="18" charset="0"/>
               </a:rPr>
-              <a:t>Choose from hundreds of startups, each trying something new!</a:t>
-            </a:r>
-          </a:p>
-          <a:p>
-            <a:pPr algn="ctr"/>
-            <a:r>
-              <a:rPr lang="en-US" sz="3600" dirty="0">
-                <a:latin typeface="Times New Roman" panose="02020603050405020304" pitchFamily="18" charset="0"/>
-                <a:cs typeface="Times New Roman" panose="02020603050405020304" pitchFamily="18" charset="0"/>
-              </a:rPr>
-              <a:t>Some pictures + companies</a:t>
-            </a:r>
-          </a:p>
-          <a:p>
-            <a:pPr algn="ctr"/>
-            <a:r>
-              <a:rPr lang="en-US" sz="3600" dirty="0">
-                <a:latin typeface="Times New Roman" panose="02020603050405020304" pitchFamily="18" charset="0"/>
-                <a:cs typeface="Times New Roman" panose="02020603050405020304" pitchFamily="18" charset="0"/>
-              </a:rPr>
-              <a:t>Helion, First Light, Research groups, etc.</a:t>
-            </a:r>
-          </a:p>
-        </p:txBody>
-      </p:sp>
-      <p:sp>
-        <p:nvSpPr>
-          <p:cNvPr id="10" name="TextBox 9">
+              <a:t>Unlike traditional nuclear power, fusion produces no long-lived radioactive waste. You'll be part of a movement towards a cleaner future. Your work in nuclear fusion will play a crucial role in mitigating environmental impacts and ensuring the well-being of generations to come.</a:t>
+            </a:r>
+          </a:p>
+        </p:txBody>
+      </p:sp>
+      <p:sp>
+        <p:nvSpPr>
+          <p:cNvPr id="12" name="TextBox 11">
             <a:extLst>
               <a:ext uri="{FF2B5EF4-FFF2-40B4-BE49-F238E27FC236}">
-                <a16:creationId xmlns:a16="http://schemas.microsoft.com/office/drawing/2014/main" id="{4B31E11B-C881-3ED0-E22E-A8A0264C5B2B}"/>
+                <a16:creationId xmlns:a16="http://schemas.microsoft.com/office/drawing/2014/main" id="{437BA0F0-AF96-04ED-8AAD-D3AF9E0DCE2E}"/>
               </a:ext>
             </a:extLst>
           </p:cNvPr>
@@ -3623,8 +5472,8 @@
         </p:nvSpPr>
         <p:spPr>
           <a:xfrm>
-            <a:off x="0" y="9609070"/>
-            <a:ext cx="16459200" cy="1754326"/>
+            <a:off x="4062913" y="19003018"/>
+            <a:ext cx="7849098" cy="2062103"/>
           </a:xfrm>
           <a:prstGeom prst="rect">
             <a:avLst/>
@@ -3632,48 +5481,135 @@
           <a:noFill/>
         </p:spPr>
         <p:txBody>
-          <a:bodyPr wrap="square" rtlCol="0">
+          <a:bodyPr wrap="square">
             <a:spAutoFit/>
           </a:bodyPr>
           <a:lstStyle/>
           <a:p>
             <a:pPr algn="ctr"/>
             <a:r>
-              <a:rPr lang="en-US" sz="3600" dirty="0">
+              <a:rPr lang="en-US" sz="3200" b="1" dirty="0">
                 <a:latin typeface="Times New Roman" panose="02020603050405020304" pitchFamily="18" charset="0"/>
                 <a:cs typeface="Times New Roman" panose="02020603050405020304" pitchFamily="18" charset="0"/>
               </a:rPr>
-              <a:t>Explore a diverse range of sciences!</a:t>
-            </a:r>
-          </a:p>
-          <a:p>
-            <a:pPr algn="ctr"/>
-            <a:r>
-              <a:rPr lang="en-US" sz="3600" dirty="0">
+              <a:t>Salary</a:t>
+            </a:r>
+          </a:p>
+          <a:p>
+            <a:pPr>
+              <a:buFont typeface="+mj-lt"/>
+              <a:buAutoNum type="arabicPeriod"/>
+            </a:pPr>
+            <a:r>
+              <a:rPr lang="en-US" sz="3200" b="1" dirty="0">
                 <a:latin typeface="Times New Roman" panose="02020603050405020304" pitchFamily="18" charset="0"/>
                 <a:cs typeface="Times New Roman" panose="02020603050405020304" pitchFamily="18" charset="0"/>
               </a:rPr>
-              <a:t>Chemistry, Engineering, Physics, Mathematics, Computer Science</a:t>
-            </a:r>
-          </a:p>
-          <a:p>
-            <a:pPr algn="ctr"/>
-            <a:r>
-              <a:rPr lang="en-US" sz="3600" dirty="0">
+              <a:t>Entry-Level Positions:</a:t>
+            </a:r>
+            <a:r>
+              <a:rPr lang="en-US" sz="3200" dirty="0">
                 <a:latin typeface="Times New Roman" panose="02020603050405020304" pitchFamily="18" charset="0"/>
                 <a:cs typeface="Times New Roman" panose="02020603050405020304" pitchFamily="18" charset="0"/>
               </a:rPr>
-              <a:t>Show where some job offers are asking for all these things</a:t>
-            </a:r>
-          </a:p>
-        </p:txBody>
-      </p:sp>
-      <p:sp>
-        <p:nvSpPr>
-          <p:cNvPr id="11" name="TextBox 10">
+              <a:t> $60,000 to $80,000.</a:t>
+            </a:r>
+          </a:p>
+          <a:p>
+            <a:pPr>
+              <a:buFont typeface="+mj-lt"/>
+              <a:buAutoNum type="arabicPeriod"/>
+            </a:pPr>
+            <a:r>
+              <a:rPr lang="en-US" sz="3200" b="1" dirty="0">
+                <a:latin typeface="Times New Roman" panose="02020603050405020304" pitchFamily="18" charset="0"/>
+                <a:cs typeface="Times New Roman" panose="02020603050405020304" pitchFamily="18" charset="0"/>
+              </a:rPr>
+              <a:t>Mid-Level Positions:</a:t>
+            </a:r>
+            <a:r>
+              <a:rPr lang="en-US" sz="3200" dirty="0">
+                <a:latin typeface="Times New Roman" panose="02020603050405020304" pitchFamily="18" charset="0"/>
+                <a:cs typeface="Times New Roman" panose="02020603050405020304" pitchFamily="18" charset="0"/>
+              </a:rPr>
+              <a:t> $80,000 to $120,000.</a:t>
+            </a:r>
+          </a:p>
+          <a:p>
+            <a:pPr>
+              <a:buFont typeface="+mj-lt"/>
+              <a:buAutoNum type="arabicPeriod"/>
+            </a:pPr>
+            <a:r>
+              <a:rPr lang="en-US" sz="3200" b="1" dirty="0">
+                <a:latin typeface="Times New Roman" panose="02020603050405020304" pitchFamily="18" charset="0"/>
+                <a:cs typeface="Times New Roman" panose="02020603050405020304" pitchFamily="18" charset="0"/>
+              </a:rPr>
+              <a:t>Senior-Level Positions:</a:t>
+            </a:r>
+            <a:r>
+              <a:rPr lang="en-US" sz="3200" dirty="0">
+                <a:latin typeface="Times New Roman" panose="02020603050405020304" pitchFamily="18" charset="0"/>
+                <a:cs typeface="Times New Roman" panose="02020603050405020304" pitchFamily="18" charset="0"/>
+              </a:rPr>
+              <a:t> $150,000 and more.</a:t>
+            </a:r>
+          </a:p>
+        </p:txBody>
+      </p:sp>
+      <p:pic>
+        <p:nvPicPr>
+          <p:cNvPr id="1026" name="Picture 2">
             <a:extLst>
               <a:ext uri="{FF2B5EF4-FFF2-40B4-BE49-F238E27FC236}">
-                <a16:creationId xmlns:a16="http://schemas.microsoft.com/office/drawing/2014/main" id="{DC276CF1-3BDF-F0B8-B0FF-4598E5D5AC1F}"/>
+                <a16:creationId xmlns:a16="http://schemas.microsoft.com/office/drawing/2014/main" id="{FEC26BF1-0D69-2B90-7361-FA1734A4043C}"/>
+              </a:ext>
+            </a:extLst>
+          </p:cNvPr>
+          <p:cNvPicPr>
+            <a:picLocks noChangeAspect="1" noChangeArrowheads="1"/>
+          </p:cNvPicPr>
+          <p:nvPr/>
+        </p:nvPicPr>
+        <p:blipFill>
+          <a:blip r:embed="rId4">
+            <a:extLst>
+              <a:ext uri="{28A0092B-C50C-407E-A947-70E740481C1C}">
+                <a14:useLocalDpi xmlns:a14="http://schemas.microsoft.com/office/drawing/2010/main" val="0"/>
+              </a:ext>
+            </a:extLst>
+          </a:blip>
+          <a:srcRect/>
+          <a:stretch>
+            <a:fillRect/>
+          </a:stretch>
+        </p:blipFill>
+        <p:spPr bwMode="auto">
+          <a:xfrm>
+            <a:off x="-633046" y="10121947"/>
+            <a:ext cx="8422465" cy="8881071"/>
+          </a:xfrm>
+          <a:prstGeom prst="rect">
+            <a:avLst/>
+          </a:prstGeom>
+          <a:noFill/>
+          <a:extLst>
+            <a:ext uri="{909E8E84-426E-40DD-AFC4-6F175D3DCCD1}">
+              <a14:hiddenFill xmlns:a14="http://schemas.microsoft.com/office/drawing/2010/main">
+                <a:solidFill>
+                  <a:srgbClr val="FFFFFF"/>
+                </a:solidFill>
+              </a14:hiddenFill>
+            </a:ext>
+          </a:extLst>
+        </p:spPr>
+      </p:pic>
+      <p:sp>
+        <p:nvSpPr>
+          <p:cNvPr id="14" name="TextBox 13">
+            <a:extLst>
+              <a:ext uri="{FF2B5EF4-FFF2-40B4-BE49-F238E27FC236}">
+                <a16:creationId xmlns:a16="http://schemas.microsoft.com/office/drawing/2014/main" id="{170C3007-9A07-CB8D-8967-17F31E95D155}"/>
               </a:ext>
             </a:extLst>
           </p:cNvPr>
@@ -3682,8 +5618,8 @@
         </p:nvSpPr>
         <p:spPr>
           <a:xfrm>
-            <a:off x="0" y="14426919"/>
-            <a:ext cx="16459200" cy="1754326"/>
+            <a:off x="8229600" y="10046721"/>
+            <a:ext cx="8159262" cy="8956298"/>
           </a:xfrm>
           <a:prstGeom prst="rect">
             <a:avLst/>
@@ -3698,25 +5634,327 @@
           <a:p>
             <a:pPr algn="ctr"/>
             <a:r>
+              <a:rPr lang="en-US" sz="3600" b="1" dirty="0">
+                <a:latin typeface="Times New Roman" panose="02020603050405020304" pitchFamily="18" charset="0"/>
+                <a:cs typeface="Times New Roman" panose="02020603050405020304" pitchFamily="18" charset="0"/>
+              </a:rPr>
+              <a:t>Choose from Hundreds</a:t>
+            </a:r>
+            <a:endParaRPr lang="en-US" sz="3600" dirty="0">
+              <a:latin typeface="Times New Roman" panose="02020603050405020304" pitchFamily="18" charset="0"/>
+              <a:cs typeface="Times New Roman" panose="02020603050405020304" pitchFamily="18" charset="0"/>
+            </a:endParaRPr>
+          </a:p>
+          <a:p>
+            <a:r>
               <a:rPr lang="en-US" sz="3600" dirty="0">
                 <a:latin typeface="Times New Roman" panose="02020603050405020304" pitchFamily="18" charset="0"/>
                 <a:cs typeface="Times New Roman" panose="02020603050405020304" pitchFamily="18" charset="0"/>
               </a:rPr>
-              <a:t>Salaries with potential!</a:t>
-            </a:r>
-          </a:p>
-          <a:p>
-            <a:pPr algn="ctr"/>
+              <a:t>From established research institutions to dynamic startups, the choices are vast. Joining a startup means being at the forefront of innovation, tackling challenges with fresh perspectives and contributing to groundbreaking solutions that can reshape the energy landscape.</a:t>
+            </a:r>
+          </a:p>
+          <a:p>
+            <a:endParaRPr lang="en-US" sz="3600" dirty="0">
+              <a:latin typeface="Times New Roman" panose="02020603050405020304" pitchFamily="18" charset="0"/>
+              <a:cs typeface="Times New Roman" panose="02020603050405020304" pitchFamily="18" charset="0"/>
+            </a:endParaRPr>
+          </a:p>
+          <a:p>
             <a:r>
               <a:rPr lang="en-US" sz="3600" dirty="0">
                 <a:latin typeface="Times New Roman" panose="02020603050405020304" pitchFamily="18" charset="0"/>
                 <a:cs typeface="Times New Roman" panose="02020603050405020304" pitchFamily="18" charset="0"/>
               </a:rPr>
-              <a:t>List some job offer ranges, note that we are early in Fusion and a successful company stands to make a lot of money</a:t>
-            </a:r>
-          </a:p>
-        </p:txBody>
-      </p:sp>
+              <a:t>Helion, with  their </a:t>
+            </a:r>
+            <a:r>
+              <a:rPr lang="en-US" sz="3600" dirty="0" err="1">
+                <a:latin typeface="Times New Roman" panose="02020603050405020304" pitchFamily="18" charset="0"/>
+                <a:cs typeface="Times New Roman" panose="02020603050405020304" pitchFamily="18" charset="0"/>
+              </a:rPr>
+              <a:t>Trenta</a:t>
+            </a:r>
+            <a:r>
+              <a:rPr lang="en-US" sz="3600" dirty="0">
+                <a:latin typeface="Times New Roman" panose="02020603050405020304" pitchFamily="18" charset="0"/>
+                <a:cs typeface="Times New Roman" panose="02020603050405020304" pitchFamily="18" charset="0"/>
+              </a:rPr>
+              <a:t> reactor pictured left, is just one of these companies. They are located in Everette and looking to do Fusion different. Their job listings include AI developers, engineers, physicists, project managers, public outreach experts, and more!</a:t>
+            </a:r>
+          </a:p>
+        </p:txBody>
+      </p:sp>
+      <p:pic>
+        <p:nvPicPr>
+          <p:cNvPr id="55" name="Picture 54" descr="A qr code with a few black squares&#10;&#10;Description automatically generated">
+            <a:extLst>
+              <a:ext uri="{FF2B5EF4-FFF2-40B4-BE49-F238E27FC236}">
+                <a16:creationId xmlns:a16="http://schemas.microsoft.com/office/drawing/2014/main" id="{2A42D67D-3377-61B8-D1C7-4F5EC5A7568E}"/>
+              </a:ext>
+            </a:extLst>
+          </p:cNvPr>
+          <p:cNvPicPr>
+            <a:picLocks noChangeAspect="1"/>
+          </p:cNvPicPr>
+          <p:nvPr/>
+        </p:nvPicPr>
+        <p:blipFill>
+          <a:blip r:embed="rId5"/>
+          <a:stretch>
+            <a:fillRect/>
+          </a:stretch>
+        </p:blipFill>
+        <p:spPr>
+          <a:xfrm>
+            <a:off x="13630536" y="19179257"/>
+            <a:ext cx="2645722" cy="2645722"/>
+          </a:xfrm>
+          <a:prstGeom prst="rect">
+            <a:avLst/>
+          </a:prstGeom>
+        </p:spPr>
+      </p:pic>
+      <p:sp>
+        <p:nvSpPr>
+          <p:cNvPr id="56" name="TextBox 55">
+            <a:extLst>
+              <a:ext uri="{FF2B5EF4-FFF2-40B4-BE49-F238E27FC236}">
+                <a16:creationId xmlns:a16="http://schemas.microsoft.com/office/drawing/2014/main" id="{B32EF767-5FCE-5FE5-F8A6-3B3948EB9936}"/>
+              </a:ext>
+            </a:extLst>
+          </p:cNvPr>
+          <p:cNvSpPr txBox="1"/>
+          <p:nvPr/>
+        </p:nvSpPr>
+        <p:spPr>
+          <a:xfrm>
+            <a:off x="9552876" y="21245694"/>
+            <a:ext cx="3417499" cy="584775"/>
+          </a:xfrm>
+          <a:prstGeom prst="rect">
+            <a:avLst/>
+          </a:prstGeom>
+          <a:noFill/>
+        </p:spPr>
+        <p:txBody>
+          <a:bodyPr wrap="square" rtlCol="0">
+            <a:spAutoFit/>
+          </a:bodyPr>
+          <a:lstStyle/>
+          <a:p>
+            <a:r>
+              <a:rPr lang="en-US" sz="3200" dirty="0">
+                <a:latin typeface="Times New Roman" panose="02020603050405020304" pitchFamily="18" charset="0"/>
+                <a:cs typeface="Times New Roman" panose="02020603050405020304" pitchFamily="18" charset="0"/>
+              </a:rPr>
+              <a:t>Job listings</a:t>
+            </a:r>
+          </a:p>
+        </p:txBody>
+      </p:sp>
+      <p:sp>
+        <p:nvSpPr>
+          <p:cNvPr id="57" name="Right Arrow 56">
+            <a:extLst>
+              <a:ext uri="{FF2B5EF4-FFF2-40B4-BE49-F238E27FC236}">
+                <a16:creationId xmlns:a16="http://schemas.microsoft.com/office/drawing/2014/main" id="{52545DD2-D299-FA73-2A91-3A0877A7E77C}"/>
+              </a:ext>
+            </a:extLst>
+          </p:cNvPr>
+          <p:cNvSpPr/>
+          <p:nvPr/>
+        </p:nvSpPr>
+        <p:spPr>
+          <a:xfrm>
+            <a:off x="11629167" y="21407385"/>
+            <a:ext cx="1883206" cy="292388"/>
+          </a:xfrm>
+          <a:prstGeom prst="rightArrow">
+            <a:avLst/>
+          </a:prstGeom>
+          <a:solidFill>
+            <a:schemeClr val="tx1"/>
+          </a:solidFill>
+          <a:ln>
+            <a:noFill/>
+          </a:ln>
+        </p:spPr>
+        <p:style>
+          <a:lnRef idx="2">
+            <a:schemeClr val="accent1">
+              <a:shade val="15000"/>
+            </a:schemeClr>
+          </a:lnRef>
+          <a:fillRef idx="1">
+            <a:schemeClr val="accent1"/>
+          </a:fillRef>
+          <a:effectRef idx="0">
+            <a:schemeClr val="accent1"/>
+          </a:effectRef>
+          <a:fontRef idx="minor">
+            <a:schemeClr val="lt1"/>
+          </a:fontRef>
+        </p:style>
+        <p:txBody>
+          <a:bodyPr rtlCol="0" anchor="ctr"/>
+          <a:lstStyle/>
+          <a:p>
+            <a:pPr algn="ctr"/>
+            <a:endParaRPr lang="en-US"/>
+          </a:p>
+        </p:txBody>
+      </p:sp>
+      <p:sp>
+        <p:nvSpPr>
+          <p:cNvPr id="58" name="TextBox 57">
+            <a:extLst>
+              <a:ext uri="{FF2B5EF4-FFF2-40B4-BE49-F238E27FC236}">
+                <a16:creationId xmlns:a16="http://schemas.microsoft.com/office/drawing/2014/main" id="{AAE53532-C940-DF30-9B39-6AFD0CEB8D37}"/>
+              </a:ext>
+            </a:extLst>
+          </p:cNvPr>
+          <p:cNvSpPr txBox="1"/>
+          <p:nvPr/>
+        </p:nvSpPr>
+        <p:spPr>
+          <a:xfrm>
+            <a:off x="4838809" y="21245694"/>
+            <a:ext cx="3417499" cy="584775"/>
+          </a:xfrm>
+          <a:prstGeom prst="rect">
+            <a:avLst/>
+          </a:prstGeom>
+          <a:noFill/>
+        </p:spPr>
+        <p:txBody>
+          <a:bodyPr wrap="square" rtlCol="0">
+            <a:spAutoFit/>
+          </a:bodyPr>
+          <a:lstStyle/>
+          <a:p>
+            <a:r>
+              <a:rPr lang="en-US" sz="3200" dirty="0">
+                <a:latin typeface="Times New Roman" panose="02020603050405020304" pitchFamily="18" charset="0"/>
+                <a:cs typeface="Times New Roman" panose="02020603050405020304" pitchFamily="18" charset="0"/>
+              </a:rPr>
+              <a:t>Fusion experiments</a:t>
+            </a:r>
+          </a:p>
+        </p:txBody>
+      </p:sp>
+      <p:sp>
+        <p:nvSpPr>
+          <p:cNvPr id="59" name="Right Arrow 58">
+            <a:extLst>
+              <a:ext uri="{FF2B5EF4-FFF2-40B4-BE49-F238E27FC236}">
+                <a16:creationId xmlns:a16="http://schemas.microsoft.com/office/drawing/2014/main" id="{4E6FF98D-60E2-531B-303A-CB27C2447319}"/>
+              </a:ext>
+            </a:extLst>
+          </p:cNvPr>
+          <p:cNvSpPr/>
+          <p:nvPr/>
+        </p:nvSpPr>
+        <p:spPr>
+          <a:xfrm rot="10800000">
+            <a:off x="2955603" y="21391887"/>
+            <a:ext cx="1883206" cy="292388"/>
+          </a:xfrm>
+          <a:prstGeom prst="rightArrow">
+            <a:avLst/>
+          </a:prstGeom>
+          <a:solidFill>
+            <a:schemeClr val="tx1"/>
+          </a:solidFill>
+          <a:ln>
+            <a:noFill/>
+          </a:ln>
+        </p:spPr>
+        <p:style>
+          <a:lnRef idx="2">
+            <a:schemeClr val="accent1">
+              <a:shade val="15000"/>
+            </a:schemeClr>
+          </a:lnRef>
+          <a:fillRef idx="1">
+            <a:schemeClr val="accent1"/>
+          </a:fillRef>
+          <a:effectRef idx="0">
+            <a:schemeClr val="accent1"/>
+          </a:effectRef>
+          <a:fontRef idx="minor">
+            <a:schemeClr val="lt1"/>
+          </a:fontRef>
+        </p:style>
+        <p:txBody>
+          <a:bodyPr rtlCol="0" anchor="ctr"/>
+          <a:lstStyle/>
+          <a:p>
+            <a:pPr algn="ctr"/>
+            <a:endParaRPr lang="en-US"/>
+          </a:p>
+        </p:txBody>
+      </p:sp>
+      <p:pic>
+        <p:nvPicPr>
+          <p:cNvPr id="60" name="Picture 59" descr="A qr code with a few black squares&#10;&#10;Description automatically generated">
+            <a:extLst>
+              <a:ext uri="{FF2B5EF4-FFF2-40B4-BE49-F238E27FC236}">
+                <a16:creationId xmlns:a16="http://schemas.microsoft.com/office/drawing/2014/main" id="{C20657FB-CF3E-E82E-9707-8B540F5529D1}"/>
+              </a:ext>
+            </a:extLst>
+          </p:cNvPr>
+          <p:cNvPicPr>
+            <a:picLocks noChangeAspect="1"/>
+          </p:cNvPicPr>
+          <p:nvPr/>
+        </p:nvPicPr>
+        <p:blipFill>
+          <a:blip r:embed="rId5"/>
+          <a:stretch>
+            <a:fillRect/>
+          </a:stretch>
+        </p:blipFill>
+        <p:spPr>
+          <a:xfrm>
+            <a:off x="182942" y="19179257"/>
+            <a:ext cx="2645722" cy="2645722"/>
+          </a:xfrm>
+          <a:prstGeom prst="rect">
+            <a:avLst/>
+          </a:prstGeom>
+        </p:spPr>
+      </p:pic>
+      <p:pic>
+        <p:nvPicPr>
+          <p:cNvPr id="62" name="Picture 61" descr="A qr code with black squares&#10;&#10;Description automatically generated">
+            <a:extLst>
+              <a:ext uri="{FF2B5EF4-FFF2-40B4-BE49-F238E27FC236}">
+                <a16:creationId xmlns:a16="http://schemas.microsoft.com/office/drawing/2014/main" id="{80D26932-103A-8B00-F091-7EEAB94E916B}"/>
+              </a:ext>
+            </a:extLst>
+          </p:cNvPr>
+          <p:cNvPicPr>
+            <a:picLocks noChangeAspect="1"/>
+          </p:cNvPicPr>
+          <p:nvPr/>
+        </p:nvPicPr>
+        <p:blipFill>
+          <a:blip r:embed="rId6"/>
+          <a:stretch>
+            <a:fillRect/>
+          </a:stretch>
+        </p:blipFill>
+        <p:spPr>
+          <a:xfrm>
+            <a:off x="252305" y="19179257"/>
+            <a:ext cx="2594703" cy="2594703"/>
+          </a:xfrm>
+          <a:prstGeom prst="rect">
+            <a:avLst/>
+          </a:prstGeom>
+        </p:spPr>
+      </p:pic>
     </p:spTree>
     <p:extLst>
       <p:ext uri="{BB962C8B-B14F-4D97-AF65-F5344CB8AC3E}">
